--- a/CS/image/image.pptx
+++ b/CS/image/image.pptx
@@ -6,7 +6,7 @@
   </p:sldMasterIdLst>
   <p:sldIdLst>
     <p:sldId id="256" r:id="rId2"/>
-    <p:sldId id="257" r:id="rId3"/>
+    <p:sldId id="258" r:id="rId3"/>
   </p:sldIdLst>
   <p:sldSz cx="12192000" cy="6858000"/>
   <p:notesSz cx="6858000" cy="9144000"/>
@@ -105,6 +105,11 @@
       </a:defRPr>
     </a:lvl9pPr>
   </p:defaultTextStyle>
+  <p:extLst>
+    <p:ext uri="{EFAFB233-063F-42B5-8137-9DF3F51BA10A}">
+      <p15:sldGuideLst xmlns:p15="http://schemas.microsoft.com/office/powerpoint/2012/main"/>
+    </p:ext>
+  </p:extLst>
 </p:presentation>
 </file>
 
@@ -255,7 +260,7 @@
           <a:p>
             <a:fld id="{8C944238-4D02-4E8A-A65E-507BB207C386}" type="datetimeFigureOut">
               <a:rPr lang="ko-KR" altLang="en-US" smtClean="0"/>
-              <a:t>2022-03-27</a:t>
+              <a:t>2022-03-30</a:t>
             </a:fld>
             <a:endParaRPr lang="ko-KR" altLang="en-US"/>
           </a:p>
@@ -453,7 +458,7 @@
           <a:p>
             <a:fld id="{8C944238-4D02-4E8A-A65E-507BB207C386}" type="datetimeFigureOut">
               <a:rPr lang="ko-KR" altLang="en-US" smtClean="0"/>
-              <a:t>2022-03-27</a:t>
+              <a:t>2022-03-30</a:t>
             </a:fld>
             <a:endParaRPr lang="ko-KR" altLang="en-US"/>
           </a:p>
@@ -661,7 +666,7 @@
           <a:p>
             <a:fld id="{8C944238-4D02-4E8A-A65E-507BB207C386}" type="datetimeFigureOut">
               <a:rPr lang="ko-KR" altLang="en-US" smtClean="0"/>
-              <a:t>2022-03-27</a:t>
+              <a:t>2022-03-30</a:t>
             </a:fld>
             <a:endParaRPr lang="ko-KR" altLang="en-US"/>
           </a:p>
@@ -859,7 +864,7 @@
           <a:p>
             <a:fld id="{8C944238-4D02-4E8A-A65E-507BB207C386}" type="datetimeFigureOut">
               <a:rPr lang="ko-KR" altLang="en-US" smtClean="0"/>
-              <a:t>2022-03-27</a:t>
+              <a:t>2022-03-30</a:t>
             </a:fld>
             <a:endParaRPr lang="ko-KR" altLang="en-US"/>
           </a:p>
@@ -1134,7 +1139,7 @@
           <a:p>
             <a:fld id="{8C944238-4D02-4E8A-A65E-507BB207C386}" type="datetimeFigureOut">
               <a:rPr lang="ko-KR" altLang="en-US" smtClean="0"/>
-              <a:t>2022-03-27</a:t>
+              <a:t>2022-03-30</a:t>
             </a:fld>
             <a:endParaRPr lang="ko-KR" altLang="en-US"/>
           </a:p>
@@ -1399,7 +1404,7 @@
           <a:p>
             <a:fld id="{8C944238-4D02-4E8A-A65E-507BB207C386}" type="datetimeFigureOut">
               <a:rPr lang="ko-KR" altLang="en-US" smtClean="0"/>
-              <a:t>2022-03-27</a:t>
+              <a:t>2022-03-30</a:t>
             </a:fld>
             <a:endParaRPr lang="ko-KR" altLang="en-US"/>
           </a:p>
@@ -1811,7 +1816,7 @@
           <a:p>
             <a:fld id="{8C944238-4D02-4E8A-A65E-507BB207C386}" type="datetimeFigureOut">
               <a:rPr lang="ko-KR" altLang="en-US" smtClean="0"/>
-              <a:t>2022-03-27</a:t>
+              <a:t>2022-03-30</a:t>
             </a:fld>
             <a:endParaRPr lang="ko-KR" altLang="en-US"/>
           </a:p>
@@ -1952,7 +1957,7 @@
           <a:p>
             <a:fld id="{8C944238-4D02-4E8A-A65E-507BB207C386}" type="datetimeFigureOut">
               <a:rPr lang="ko-KR" altLang="en-US" smtClean="0"/>
-              <a:t>2022-03-27</a:t>
+              <a:t>2022-03-30</a:t>
             </a:fld>
             <a:endParaRPr lang="ko-KR" altLang="en-US"/>
           </a:p>
@@ -2065,7 +2070,7 @@
           <a:p>
             <a:fld id="{8C944238-4D02-4E8A-A65E-507BB207C386}" type="datetimeFigureOut">
               <a:rPr lang="ko-KR" altLang="en-US" smtClean="0"/>
-              <a:t>2022-03-27</a:t>
+              <a:t>2022-03-30</a:t>
             </a:fld>
             <a:endParaRPr lang="ko-KR" altLang="en-US"/>
           </a:p>
@@ -2376,7 +2381,7 @@
           <a:p>
             <a:fld id="{8C944238-4D02-4E8A-A65E-507BB207C386}" type="datetimeFigureOut">
               <a:rPr lang="ko-KR" altLang="en-US" smtClean="0"/>
-              <a:t>2022-03-27</a:t>
+              <a:t>2022-03-30</a:t>
             </a:fld>
             <a:endParaRPr lang="ko-KR" altLang="en-US"/>
           </a:p>
@@ -2664,7 +2669,7 @@
           <a:p>
             <a:fld id="{8C944238-4D02-4E8A-A65E-507BB207C386}" type="datetimeFigureOut">
               <a:rPr lang="ko-KR" altLang="en-US" smtClean="0"/>
-              <a:t>2022-03-27</a:t>
+              <a:t>2022-03-30</a:t>
             </a:fld>
             <a:endParaRPr lang="ko-KR" altLang="en-US"/>
           </a:p>
@@ -2905,7 +2910,7 @@
           <a:p>
             <a:fld id="{8C944238-4D02-4E8A-A65E-507BB207C386}" type="datetimeFigureOut">
               <a:rPr lang="ko-KR" altLang="en-US" smtClean="0"/>
-              <a:t>2022-03-27</a:t>
+              <a:t>2022-03-30</a:t>
             </a:fld>
             <a:endParaRPr lang="ko-KR" altLang="en-US"/>
           </a:p>
@@ -4402,106 +4407,30 @@
       </p:grpSpPr>
       <p:sp>
         <p:nvSpPr>
-          <p:cNvPr id="6" name="TextBox 5">
-            <a:extLst>
-              <a:ext uri="{FF2B5EF4-FFF2-40B4-BE49-F238E27FC236}">
-                <a16:creationId xmlns:a16="http://schemas.microsoft.com/office/drawing/2014/main" id="{6C949DE5-658F-4CE6-A942-60076476859C}"/>
-              </a:ext>
-            </a:extLst>
-          </p:cNvPr>
-          <p:cNvSpPr txBox="1"/>
+          <p:cNvPr id="4" name="직사각형 3">
+            <a:extLst>
+              <a:ext uri="{FF2B5EF4-FFF2-40B4-BE49-F238E27FC236}">
+                <a16:creationId xmlns:a16="http://schemas.microsoft.com/office/drawing/2014/main" id="{FE470075-90C3-4A76-ADD7-6AB6C597F2C1}"/>
+              </a:ext>
+            </a:extLst>
+          </p:cNvPr>
+          <p:cNvSpPr/>
           <p:nvPr/>
         </p:nvSpPr>
         <p:spPr>
           <a:xfrm>
-            <a:off x="981695" y="1403191"/>
-            <a:ext cx="3895105" cy="2862322"/>
+            <a:off x="472210" y="815398"/>
+            <a:ext cx="1484308" cy="555017"/>
           </a:xfrm>
           <a:prstGeom prst="rect">
             <a:avLst/>
           </a:prstGeom>
-          <a:noFill/>
-        </p:spPr>
-        <p:txBody>
-          <a:bodyPr wrap="square" rtlCol="0">
-            <a:spAutoFit/>
-          </a:bodyPr>
-          <a:lstStyle/>
-          <a:p>
-            <a:r>
-              <a:rPr lang="en-US" altLang="ko-KR" b="1"/>
-              <a:t>GET      HTTP/1.1</a:t>
-            </a:r>
-          </a:p>
-          <a:p>
-            <a:r>
-              <a:rPr lang="en-US" altLang="ko-KR" b="1"/>
-              <a:t> </a:t>
-            </a:r>
-          </a:p>
-          <a:p>
-            <a:r>
-              <a:rPr lang="en-US" altLang="ko-KR" b="1"/>
-              <a:t>Host:</a:t>
-            </a:r>
-          </a:p>
-          <a:p>
-            <a:endParaRPr lang="en-US" altLang="ko-KR" b="1"/>
-          </a:p>
-          <a:p>
-            <a:r>
-              <a:rPr lang="en-US" altLang="ko-KR" b="1"/>
-              <a:t>Content-Length</a:t>
-            </a:r>
-          </a:p>
-          <a:p>
-            <a:r>
-              <a:rPr lang="en-US" altLang="ko-KR" b="1"/>
-              <a:t>…</a:t>
-            </a:r>
-          </a:p>
-          <a:p>
-            <a:endParaRPr lang="en-US" altLang="ko-KR" b="1"/>
-          </a:p>
-          <a:p>
-            <a:endParaRPr lang="en-US" altLang="ko-KR" b="1"/>
-          </a:p>
-          <a:p>
-            <a:r>
-              <a:rPr lang="en-US" altLang="ko-KR" b="1"/>
-              <a:t>requet body</a:t>
-            </a:r>
-          </a:p>
-          <a:p>
-            <a:r>
-              <a:rPr lang="en-US" altLang="ko-KR" b="1"/>
-              <a:t>…</a:t>
-            </a:r>
-            <a:endParaRPr lang="ko-KR" altLang="en-US" b="1"/>
-          </a:p>
-        </p:txBody>
-      </p:sp>
-      <p:sp>
-        <p:nvSpPr>
-          <p:cNvPr id="7" name="직사각형 6">
-            <a:extLst>
-              <a:ext uri="{FF2B5EF4-FFF2-40B4-BE49-F238E27FC236}">
-                <a16:creationId xmlns:a16="http://schemas.microsoft.com/office/drawing/2014/main" id="{00CF72AF-B629-4CCA-BA80-CA9865125592}"/>
-              </a:ext>
-            </a:extLst>
-          </p:cNvPr>
-          <p:cNvSpPr/>
-          <p:nvPr/>
-        </p:nvSpPr>
-        <p:spPr>
-          <a:xfrm>
-            <a:off x="981695" y="1403191"/>
-            <a:ext cx="627151" cy="389524"/>
-          </a:xfrm>
-          <a:prstGeom prst="rect">
-            <a:avLst/>
-          </a:prstGeom>
-          <a:noFill/>
+          <a:solidFill>
+            <a:schemeClr val="accent1">
+              <a:lumMod val="20000"/>
+              <a:lumOff val="80000"/>
+            </a:schemeClr>
+          </a:solidFill>
         </p:spPr>
         <p:style>
           <a:lnRef idx="2">
@@ -4524,16 +4453,28 @@
           <a:lstStyle/>
           <a:p>
             <a:pPr algn="ctr"/>
-            <a:endParaRPr lang="ko-KR" altLang="en-US"/>
-          </a:p>
-        </p:txBody>
-      </p:sp>
-      <p:sp>
-        <p:nvSpPr>
-          <p:cNvPr id="9" name="직사각형 8">
-            <a:extLst>
-              <a:ext uri="{FF2B5EF4-FFF2-40B4-BE49-F238E27FC236}">
-                <a16:creationId xmlns:a16="http://schemas.microsoft.com/office/drawing/2014/main" id="{BEEBCED0-4B62-4CC3-ADA8-84E80DDE8F6E}"/>
+            <a:r>
+              <a:rPr lang="en-US" altLang="ko-KR" b="1">
+                <a:solidFill>
+                  <a:schemeClr val="tx1"/>
+                </a:solidFill>
+              </a:rPr>
+              <a:t>method</a:t>
+            </a:r>
+            <a:endParaRPr lang="ko-KR" altLang="en-US" b="1">
+              <a:solidFill>
+                <a:schemeClr val="tx1"/>
+              </a:solidFill>
+            </a:endParaRPr>
+          </a:p>
+        </p:txBody>
+      </p:sp>
+      <p:sp>
+        <p:nvSpPr>
+          <p:cNvPr id="5" name="직사각형 4">
+            <a:extLst>
+              <a:ext uri="{FF2B5EF4-FFF2-40B4-BE49-F238E27FC236}">
+                <a16:creationId xmlns:a16="http://schemas.microsoft.com/office/drawing/2014/main" id="{CD8C13DA-04CB-45C2-813F-A734E731E22F}"/>
               </a:ext>
             </a:extLst>
           </p:cNvPr>
@@ -4542,13 +4483,18 @@
         </p:nvSpPr>
         <p:spPr>
           <a:xfrm>
-            <a:off x="1895929" y="1391671"/>
-            <a:ext cx="1201476" cy="389524"/>
+            <a:off x="2370508" y="815397"/>
+            <a:ext cx="1484308" cy="555017"/>
           </a:xfrm>
           <a:prstGeom prst="rect">
             <a:avLst/>
           </a:prstGeom>
-          <a:noFill/>
+          <a:solidFill>
+            <a:schemeClr val="accent1">
+              <a:lumMod val="20000"/>
+              <a:lumOff val="80000"/>
+            </a:schemeClr>
+          </a:solidFill>
         </p:spPr>
         <p:style>
           <a:lnRef idx="2">
@@ -4571,16 +4517,28 @@
           <a:lstStyle/>
           <a:p>
             <a:pPr algn="ctr"/>
-            <a:endParaRPr lang="ko-KR" altLang="en-US"/>
-          </a:p>
-        </p:txBody>
-      </p:sp>
-      <p:sp>
-        <p:nvSpPr>
-          <p:cNvPr id="10" name="직사각형 9">
-            <a:extLst>
-              <a:ext uri="{FF2B5EF4-FFF2-40B4-BE49-F238E27FC236}">
-                <a16:creationId xmlns:a16="http://schemas.microsoft.com/office/drawing/2014/main" id="{68CDC5ED-9129-4597-8786-85A1C8EE9DEB}"/>
+            <a:r>
+              <a:rPr lang="en-US" altLang="ko-KR" b="1">
+                <a:solidFill>
+                  <a:schemeClr val="tx1"/>
+                </a:solidFill>
+              </a:rPr>
+              <a:t>url</a:t>
+            </a:r>
+            <a:endParaRPr lang="ko-KR" altLang="en-US" b="1">
+              <a:solidFill>
+                <a:schemeClr val="tx1"/>
+              </a:solidFill>
+            </a:endParaRPr>
+          </a:p>
+        </p:txBody>
+      </p:sp>
+      <p:sp>
+        <p:nvSpPr>
+          <p:cNvPr id="6" name="직사각형 5">
+            <a:extLst>
+              <a:ext uri="{FF2B5EF4-FFF2-40B4-BE49-F238E27FC236}">
+                <a16:creationId xmlns:a16="http://schemas.microsoft.com/office/drawing/2014/main" id="{698E5269-D48C-49D5-B3E1-9D0840EEB965}"/>
               </a:ext>
             </a:extLst>
           </p:cNvPr>
@@ -4589,13 +4547,18 @@
         </p:nvSpPr>
         <p:spPr>
           <a:xfrm>
-            <a:off x="981695" y="1959628"/>
-            <a:ext cx="2115709" cy="1365374"/>
+            <a:off x="4124116" y="815397"/>
+            <a:ext cx="1484308" cy="555017"/>
           </a:xfrm>
           <a:prstGeom prst="rect">
             <a:avLst/>
           </a:prstGeom>
-          <a:noFill/>
+          <a:solidFill>
+            <a:schemeClr val="accent1">
+              <a:lumMod val="20000"/>
+              <a:lumOff val="80000"/>
+            </a:schemeClr>
+          </a:solidFill>
         </p:spPr>
         <p:style>
           <a:lnRef idx="2">
@@ -4618,16 +4581,28 @@
           <a:lstStyle/>
           <a:p>
             <a:pPr algn="ctr"/>
-            <a:endParaRPr lang="ko-KR" altLang="en-US"/>
-          </a:p>
-        </p:txBody>
-      </p:sp>
-      <p:sp>
-        <p:nvSpPr>
-          <p:cNvPr id="12" name="직사각형 11">
-            <a:extLst>
-              <a:ext uri="{FF2B5EF4-FFF2-40B4-BE49-F238E27FC236}">
-                <a16:creationId xmlns:a16="http://schemas.microsoft.com/office/drawing/2014/main" id="{BDF1DA1F-C566-48D3-B5A1-2200C746A70F}"/>
+            <a:r>
+              <a:rPr lang="en-US" altLang="ko-KR" b="1">
+                <a:solidFill>
+                  <a:schemeClr val="tx1"/>
+                </a:solidFill>
+              </a:rPr>
+              <a:t>version</a:t>
+            </a:r>
+            <a:endParaRPr lang="ko-KR" altLang="en-US" b="1">
+              <a:solidFill>
+                <a:schemeClr val="tx1"/>
+              </a:solidFill>
+            </a:endParaRPr>
+          </a:p>
+        </p:txBody>
+      </p:sp>
+      <p:sp>
+        <p:nvSpPr>
+          <p:cNvPr id="7" name="직사각형 6">
+            <a:extLst>
+              <a:ext uri="{FF2B5EF4-FFF2-40B4-BE49-F238E27FC236}">
+                <a16:creationId xmlns:a16="http://schemas.microsoft.com/office/drawing/2014/main" id="{46BFF0DD-85A8-472A-9D0C-D7D79CCE81F3}"/>
               </a:ext>
             </a:extLst>
           </p:cNvPr>
@@ -4636,13 +4611,18 @@
         </p:nvSpPr>
         <p:spPr>
           <a:xfrm>
-            <a:off x="964143" y="3584594"/>
-            <a:ext cx="2133261" cy="680919"/>
+            <a:off x="472209" y="1520248"/>
+            <a:ext cx="1484308" cy="555017"/>
           </a:xfrm>
           <a:prstGeom prst="rect">
             <a:avLst/>
           </a:prstGeom>
-          <a:noFill/>
+          <a:solidFill>
+            <a:schemeClr val="accent1">
+              <a:lumMod val="20000"/>
+              <a:lumOff val="80000"/>
+            </a:schemeClr>
+          </a:solidFill>
         </p:spPr>
         <p:style>
           <a:lnRef idx="2">
@@ -4665,16 +4645,28 @@
           <a:lstStyle/>
           <a:p>
             <a:pPr algn="ctr"/>
-            <a:endParaRPr lang="ko-KR" altLang="en-US"/>
-          </a:p>
-        </p:txBody>
-      </p:sp>
-      <p:sp>
-        <p:nvSpPr>
-          <p:cNvPr id="13" name="타원 12">
-            <a:extLst>
-              <a:ext uri="{FF2B5EF4-FFF2-40B4-BE49-F238E27FC236}">
-                <a16:creationId xmlns:a16="http://schemas.microsoft.com/office/drawing/2014/main" id="{131CD219-D3C7-41ED-87E2-6E3073EDC581}"/>
+            <a:r>
+              <a:rPr lang="en-US" altLang="ko-KR" b="1">
+                <a:solidFill>
+                  <a:schemeClr val="tx1"/>
+                </a:solidFill>
+              </a:rPr>
+              <a:t>header filed</a:t>
+            </a:r>
+            <a:endParaRPr lang="ko-KR" altLang="en-US" b="1">
+              <a:solidFill>
+                <a:schemeClr val="tx1"/>
+              </a:solidFill>
+            </a:endParaRPr>
+          </a:p>
+        </p:txBody>
+      </p:sp>
+      <p:sp>
+        <p:nvSpPr>
+          <p:cNvPr id="8" name="직사각형 7">
+            <a:extLst>
+              <a:ext uri="{FF2B5EF4-FFF2-40B4-BE49-F238E27FC236}">
+                <a16:creationId xmlns:a16="http://schemas.microsoft.com/office/drawing/2014/main" id="{DF8CF351-3D52-477A-AFBE-39CA0AF295D8}"/>
               </a:ext>
             </a:extLst>
           </p:cNvPr>
@@ -4683,14 +4675,14 @@
         </p:nvSpPr>
         <p:spPr>
           <a:xfrm>
-            <a:off x="799592" y="1147145"/>
-            <a:ext cx="387927" cy="389524"/>
-          </a:xfrm>
-          <a:prstGeom prst="ellipse">
+            <a:off x="2370508" y="1520247"/>
+            <a:ext cx="1484308" cy="555017"/>
+          </a:xfrm>
+          <a:prstGeom prst="rect">
             <a:avLst/>
           </a:prstGeom>
           <a:solidFill>
-            <a:schemeClr val="accent6">
+            <a:schemeClr val="accent1">
               <a:lumMod val="20000"/>
               <a:lumOff val="80000"/>
             </a:schemeClr>
@@ -4718,14 +4710,14 @@
           <a:p>
             <a:pPr algn="ctr"/>
             <a:r>
-              <a:rPr lang="en-US" altLang="ko-KR">
+              <a:rPr lang="en-US" altLang="ko-KR" b="1">
                 <a:solidFill>
                   <a:schemeClr val="tx1"/>
                 </a:solidFill>
               </a:rPr>
-              <a:t>1</a:t>
-            </a:r>
-            <a:endParaRPr lang="ko-KR" altLang="en-US">
+              <a:t>header value</a:t>
+            </a:r>
+            <a:endParaRPr lang="ko-KR" altLang="en-US" b="1">
               <a:solidFill>
                 <a:schemeClr val="tx1"/>
               </a:solidFill>
@@ -4735,10 +4727,10 @@
       </p:sp>
       <p:sp>
         <p:nvSpPr>
-          <p:cNvPr id="14" name="타원 13">
-            <a:extLst>
-              <a:ext uri="{FF2B5EF4-FFF2-40B4-BE49-F238E27FC236}">
-                <a16:creationId xmlns:a16="http://schemas.microsoft.com/office/drawing/2014/main" id="{FA00E501-2A0A-4112-887F-0D8C1280DB37}"/>
+          <p:cNvPr id="9" name="직사각형 8">
+            <a:extLst>
+              <a:ext uri="{FF2B5EF4-FFF2-40B4-BE49-F238E27FC236}">
+                <a16:creationId xmlns:a16="http://schemas.microsoft.com/office/drawing/2014/main" id="{2BA16D15-BE1C-46FB-AB2A-30942677EDC9}"/>
               </a:ext>
             </a:extLst>
           </p:cNvPr>
@@ -4747,14 +4739,14 @@
         </p:nvSpPr>
         <p:spPr>
           <a:xfrm>
-            <a:off x="1705761" y="1102844"/>
-            <a:ext cx="387927" cy="389524"/>
-          </a:xfrm>
-          <a:prstGeom prst="ellipse">
+            <a:off x="472209" y="2929948"/>
+            <a:ext cx="1484308" cy="555017"/>
+          </a:xfrm>
+          <a:prstGeom prst="rect">
             <a:avLst/>
           </a:prstGeom>
           <a:solidFill>
-            <a:schemeClr val="accent6">
+            <a:schemeClr val="accent1">
               <a:lumMod val="20000"/>
               <a:lumOff val="80000"/>
             </a:schemeClr>
@@ -4782,14 +4774,14 @@
           <a:p>
             <a:pPr algn="ctr"/>
             <a:r>
-              <a:rPr lang="en-US" altLang="ko-KR">
+              <a:rPr lang="en-US" altLang="ko-KR" b="1">
                 <a:solidFill>
                   <a:schemeClr val="tx1"/>
                 </a:solidFill>
               </a:rPr>
-              <a:t>2</a:t>
-            </a:r>
-            <a:endParaRPr lang="ko-KR" altLang="en-US">
+              <a:t>header field</a:t>
+            </a:r>
+            <a:endParaRPr lang="ko-KR" altLang="en-US" b="1">
               <a:solidFill>
                 <a:schemeClr val="tx1"/>
               </a:solidFill>
@@ -4799,10 +4791,10 @@
       </p:sp>
       <p:sp>
         <p:nvSpPr>
-          <p:cNvPr id="16" name="타원 15">
-            <a:extLst>
-              <a:ext uri="{FF2B5EF4-FFF2-40B4-BE49-F238E27FC236}">
-                <a16:creationId xmlns:a16="http://schemas.microsoft.com/office/drawing/2014/main" id="{7F12C62F-1853-4F39-A0FE-8D05C7FFFA2E}"/>
+          <p:cNvPr id="10" name="직사각형 9">
+            <a:extLst>
+              <a:ext uri="{FF2B5EF4-FFF2-40B4-BE49-F238E27FC236}">
+                <a16:creationId xmlns:a16="http://schemas.microsoft.com/office/drawing/2014/main" id="{C071A11A-43B3-43F3-B12D-0924368A72C3}"/>
               </a:ext>
             </a:extLst>
           </p:cNvPr>
@@ -4811,14 +4803,14 @@
         </p:nvSpPr>
         <p:spPr>
           <a:xfrm>
-            <a:off x="778956" y="1753629"/>
-            <a:ext cx="387927" cy="389524"/>
-          </a:xfrm>
-          <a:prstGeom prst="ellipse">
+            <a:off x="2370507" y="2929947"/>
+            <a:ext cx="1484308" cy="555017"/>
+          </a:xfrm>
+          <a:prstGeom prst="rect">
             <a:avLst/>
           </a:prstGeom>
           <a:solidFill>
-            <a:schemeClr val="accent6">
+            <a:schemeClr val="accent1">
               <a:lumMod val="20000"/>
               <a:lumOff val="80000"/>
             </a:schemeClr>
@@ -4846,14 +4838,14 @@
           <a:p>
             <a:pPr algn="ctr"/>
             <a:r>
-              <a:rPr lang="en-US" altLang="ko-KR">
+              <a:rPr lang="en-US" altLang="ko-KR" b="1">
                 <a:solidFill>
                   <a:schemeClr val="tx1"/>
                 </a:solidFill>
               </a:rPr>
-              <a:t>3</a:t>
-            </a:r>
-            <a:endParaRPr lang="ko-KR" altLang="en-US">
+              <a:t>header value</a:t>
+            </a:r>
+            <a:endParaRPr lang="ko-KR" altLang="en-US" b="1">
               <a:solidFill>
                 <a:schemeClr val="tx1"/>
               </a:solidFill>
@@ -4863,10 +4855,10 @@
       </p:sp>
       <p:sp>
         <p:nvSpPr>
-          <p:cNvPr id="18" name="타원 17">
-            <a:extLst>
-              <a:ext uri="{FF2B5EF4-FFF2-40B4-BE49-F238E27FC236}">
-                <a16:creationId xmlns:a16="http://schemas.microsoft.com/office/drawing/2014/main" id="{95053A53-A6FF-4E93-B854-9DB9A1E40011}"/>
+          <p:cNvPr id="11" name="직사각형 10">
+            <a:extLst>
+              <a:ext uri="{FF2B5EF4-FFF2-40B4-BE49-F238E27FC236}">
+                <a16:creationId xmlns:a16="http://schemas.microsoft.com/office/drawing/2014/main" id="{9853B936-41A6-4496-8B26-372EB267128A}"/>
               </a:ext>
             </a:extLst>
           </p:cNvPr>
@@ -4875,14 +4867,14 @@
         </p:nvSpPr>
         <p:spPr>
           <a:xfrm>
-            <a:off x="778954" y="3366331"/>
-            <a:ext cx="387927" cy="389524"/>
-          </a:xfrm>
-          <a:prstGeom prst="ellipse">
+            <a:off x="472207" y="4153766"/>
+            <a:ext cx="5060375" cy="1351107"/>
+          </a:xfrm>
+          <a:prstGeom prst="rect">
             <a:avLst/>
           </a:prstGeom>
           <a:solidFill>
-            <a:schemeClr val="accent6">
+            <a:schemeClr val="accent1">
               <a:lumMod val="20000"/>
               <a:lumOff val="80000"/>
             </a:schemeClr>
@@ -4910,14 +4902,14 @@
           <a:p>
             <a:pPr algn="ctr"/>
             <a:r>
-              <a:rPr lang="en-US" altLang="ko-KR">
+              <a:rPr lang="en-US" altLang="ko-KR" b="1">
                 <a:solidFill>
                   <a:schemeClr val="tx1"/>
                 </a:solidFill>
               </a:rPr>
-              <a:t>4</a:t>
-            </a:r>
-            <a:endParaRPr lang="ko-KR" altLang="en-US">
+              <a:t>request body</a:t>
+            </a:r>
+            <a:endParaRPr lang="ko-KR" altLang="en-US" b="1">
               <a:solidFill>
                 <a:schemeClr val="tx1"/>
               </a:solidFill>
@@ -4927,106 +4919,24 @@
       </p:sp>
       <p:sp>
         <p:nvSpPr>
-          <p:cNvPr id="19" name="TextBox 18">
-            <a:extLst>
-              <a:ext uri="{FF2B5EF4-FFF2-40B4-BE49-F238E27FC236}">
-                <a16:creationId xmlns:a16="http://schemas.microsoft.com/office/drawing/2014/main" id="{53CE1E48-A15E-420F-99DF-2ADA37D82A90}"/>
-              </a:ext>
-            </a:extLst>
-          </p:cNvPr>
-          <p:cNvSpPr txBox="1"/>
+          <p:cNvPr id="12" name="타원 11">
+            <a:extLst>
+              <a:ext uri="{FF2B5EF4-FFF2-40B4-BE49-F238E27FC236}">
+                <a16:creationId xmlns:a16="http://schemas.microsoft.com/office/drawing/2014/main" id="{62DFD371-5B24-4F04-B350-FC12BF58CEAF}"/>
+              </a:ext>
+            </a:extLst>
+          </p:cNvPr>
+          <p:cNvSpPr/>
           <p:nvPr/>
         </p:nvSpPr>
         <p:spPr>
           <a:xfrm>
-            <a:off x="6365358" y="1397387"/>
-            <a:ext cx="3895105" cy="2862322"/>
-          </a:xfrm>
-          <a:prstGeom prst="rect">
+            <a:off x="1117137" y="2493818"/>
+            <a:ext cx="45719" cy="45719"/>
+          </a:xfrm>
+          <a:prstGeom prst="ellipse">
             <a:avLst/>
           </a:prstGeom>
-          <a:noFill/>
-        </p:spPr>
-        <p:txBody>
-          <a:bodyPr wrap="square" rtlCol="0">
-            <a:spAutoFit/>
-          </a:bodyPr>
-          <a:lstStyle/>
-          <a:p>
-            <a:r>
-              <a:rPr lang="en-US" altLang="ko-KR" b="1"/>
-              <a:t>HTTP/1.1     200</a:t>
-            </a:r>
-          </a:p>
-          <a:p>
-            <a:r>
-              <a:rPr lang="en-US" altLang="ko-KR" b="1"/>
-              <a:t> </a:t>
-            </a:r>
-          </a:p>
-          <a:p>
-            <a:r>
-              <a:rPr lang="en-US" altLang="ko-KR" b="1"/>
-              <a:t>server:</a:t>
-            </a:r>
-          </a:p>
-          <a:p>
-            <a:endParaRPr lang="en-US" altLang="ko-KR" b="1"/>
-          </a:p>
-          <a:p>
-            <a:r>
-              <a:rPr lang="en-US" altLang="ko-KR" b="1"/>
-              <a:t>Content-Length</a:t>
-            </a:r>
-          </a:p>
-          <a:p>
-            <a:r>
-              <a:rPr lang="en-US" altLang="ko-KR" b="1"/>
-              <a:t>…</a:t>
-            </a:r>
-          </a:p>
-          <a:p>
-            <a:endParaRPr lang="en-US" altLang="ko-KR" b="1"/>
-          </a:p>
-          <a:p>
-            <a:endParaRPr lang="en-US" altLang="ko-KR" b="1"/>
-          </a:p>
-          <a:p>
-            <a:r>
-              <a:rPr lang="en-US" altLang="ko-KR" b="1"/>
-              <a:t>response body</a:t>
-            </a:r>
-          </a:p>
-          <a:p>
-            <a:r>
-              <a:rPr lang="en-US" altLang="ko-KR" b="1"/>
-              <a:t>…</a:t>
-            </a:r>
-            <a:endParaRPr lang="ko-KR" altLang="en-US" b="1"/>
-          </a:p>
-        </p:txBody>
-      </p:sp>
-      <p:sp>
-        <p:nvSpPr>
-          <p:cNvPr id="21" name="직사각형 20">
-            <a:extLst>
-              <a:ext uri="{FF2B5EF4-FFF2-40B4-BE49-F238E27FC236}">
-                <a16:creationId xmlns:a16="http://schemas.microsoft.com/office/drawing/2014/main" id="{E77A9C29-A973-4B2B-8E4C-0F34FBE5EA94}"/>
-              </a:ext>
-            </a:extLst>
-          </p:cNvPr>
-          <p:cNvSpPr/>
-          <p:nvPr/>
-        </p:nvSpPr>
-        <p:spPr>
-          <a:xfrm>
-            <a:off x="7836365" y="1396216"/>
-            <a:ext cx="783095" cy="389524"/>
-          </a:xfrm>
-          <a:prstGeom prst="rect">
-            <a:avLst/>
-          </a:prstGeom>
-          <a:noFill/>
         </p:spPr>
         <p:style>
           <a:lnRef idx="2">
@@ -5055,10 +4965,10 @@
       </p:sp>
       <p:sp>
         <p:nvSpPr>
-          <p:cNvPr id="22" name="직사각형 21">
-            <a:extLst>
-              <a:ext uri="{FF2B5EF4-FFF2-40B4-BE49-F238E27FC236}">
-                <a16:creationId xmlns:a16="http://schemas.microsoft.com/office/drawing/2014/main" id="{79BF9E90-43B9-46B9-8FF8-FD21EDE70E06}"/>
+          <p:cNvPr id="13" name="타원 12">
+            <a:extLst>
+              <a:ext uri="{FF2B5EF4-FFF2-40B4-BE49-F238E27FC236}">
+                <a16:creationId xmlns:a16="http://schemas.microsoft.com/office/drawing/2014/main" id="{048DABE1-1A40-4D10-B15E-6DF61316A997}"/>
               </a:ext>
             </a:extLst>
           </p:cNvPr>
@@ -5067,13 +4977,12 @@
         </p:nvSpPr>
         <p:spPr>
           <a:xfrm>
-            <a:off x="6356580" y="1391671"/>
-            <a:ext cx="1203169" cy="389524"/>
-          </a:xfrm>
-          <a:prstGeom prst="rect">
+            <a:off x="1599996" y="2493818"/>
+            <a:ext cx="45719" cy="45719"/>
+          </a:xfrm>
+          <a:prstGeom prst="ellipse">
             <a:avLst/>
           </a:prstGeom>
-          <a:noFill/>
         </p:spPr>
         <p:style>
           <a:lnRef idx="2">
@@ -5102,10 +5011,10 @@
       </p:sp>
       <p:sp>
         <p:nvSpPr>
-          <p:cNvPr id="23" name="직사각형 22">
-            <a:extLst>
-              <a:ext uri="{FF2B5EF4-FFF2-40B4-BE49-F238E27FC236}">
-                <a16:creationId xmlns:a16="http://schemas.microsoft.com/office/drawing/2014/main" id="{7824441E-A149-4125-B5A8-121F218B3E11}"/>
+          <p:cNvPr id="14" name="타원 13">
+            <a:extLst>
+              <a:ext uri="{FF2B5EF4-FFF2-40B4-BE49-F238E27FC236}">
+                <a16:creationId xmlns:a16="http://schemas.microsoft.com/office/drawing/2014/main" id="{F6346C2F-2E14-4CD9-BBA2-B4E4CAE1D35F}"/>
               </a:ext>
             </a:extLst>
           </p:cNvPr>
@@ -5114,13 +5023,12 @@
         </p:nvSpPr>
         <p:spPr>
           <a:xfrm>
-            <a:off x="6365359" y="1953824"/>
-            <a:ext cx="2043856" cy="1475176"/>
-          </a:xfrm>
-          <a:prstGeom prst="rect">
+            <a:off x="2120033" y="2493817"/>
+            <a:ext cx="45719" cy="45719"/>
+          </a:xfrm>
+          <a:prstGeom prst="ellipse">
             <a:avLst/>
           </a:prstGeom>
-          <a:noFill/>
         </p:spPr>
         <p:style>
           <a:lnRef idx="2">
@@ -5149,10 +5057,10 @@
       </p:sp>
       <p:sp>
         <p:nvSpPr>
-          <p:cNvPr id="25" name="직사각형 24">
-            <a:extLst>
-              <a:ext uri="{FF2B5EF4-FFF2-40B4-BE49-F238E27FC236}">
-                <a16:creationId xmlns:a16="http://schemas.microsoft.com/office/drawing/2014/main" id="{442AF7EE-7CE1-40C8-BCCC-5DF5A0DA13D1}"/>
+          <p:cNvPr id="15" name="타원 14">
+            <a:extLst>
+              <a:ext uri="{FF2B5EF4-FFF2-40B4-BE49-F238E27FC236}">
+                <a16:creationId xmlns:a16="http://schemas.microsoft.com/office/drawing/2014/main" id="{CC314F03-339D-4713-9207-A80D47E33D69}"/>
               </a:ext>
             </a:extLst>
           </p:cNvPr>
@@ -5161,13 +5069,12 @@
         </p:nvSpPr>
         <p:spPr>
           <a:xfrm>
-            <a:off x="6347806" y="3578790"/>
-            <a:ext cx="1846181" cy="680919"/>
-          </a:xfrm>
-          <a:prstGeom prst="rect">
+            <a:off x="2531089" y="2490006"/>
+            <a:ext cx="45719" cy="45719"/>
+          </a:xfrm>
+          <a:prstGeom prst="ellipse">
             <a:avLst/>
           </a:prstGeom>
-          <a:noFill/>
         </p:spPr>
         <p:style>
           <a:lnRef idx="2">
@@ -5196,10 +5103,10 @@
       </p:sp>
       <p:sp>
         <p:nvSpPr>
-          <p:cNvPr id="26" name="타원 25">
-            <a:extLst>
-              <a:ext uri="{FF2B5EF4-FFF2-40B4-BE49-F238E27FC236}">
-                <a16:creationId xmlns:a16="http://schemas.microsoft.com/office/drawing/2014/main" id="{B022733F-3689-41C4-B878-2780490C6EA9}"/>
+          <p:cNvPr id="28" name="직사각형 27">
+            <a:extLst>
+              <a:ext uri="{FF2B5EF4-FFF2-40B4-BE49-F238E27FC236}">
+                <a16:creationId xmlns:a16="http://schemas.microsoft.com/office/drawing/2014/main" id="{993BDB2F-DB38-4EFB-88FE-EC48A8216E7B}"/>
               </a:ext>
             </a:extLst>
           </p:cNvPr>
@@ -5208,14 +5115,14 @@
         </p:nvSpPr>
         <p:spPr>
           <a:xfrm>
-            <a:off x="6183255" y="1141341"/>
-            <a:ext cx="387927" cy="389524"/>
-          </a:xfrm>
-          <a:prstGeom prst="ellipse">
+            <a:off x="6197944" y="815398"/>
+            <a:ext cx="1484308" cy="555017"/>
+          </a:xfrm>
+          <a:prstGeom prst="rect">
             <a:avLst/>
           </a:prstGeom>
           <a:solidFill>
-            <a:schemeClr val="accent6">
+            <a:schemeClr val="accent1">
               <a:lumMod val="20000"/>
               <a:lumOff val="80000"/>
             </a:schemeClr>
@@ -5243,14 +5150,14 @@
           <a:p>
             <a:pPr algn="ctr"/>
             <a:r>
-              <a:rPr lang="en-US" altLang="ko-KR">
+              <a:rPr lang="en-US" altLang="ko-KR" b="1">
                 <a:solidFill>
                   <a:schemeClr val="tx1"/>
                 </a:solidFill>
               </a:rPr>
-              <a:t>1</a:t>
-            </a:r>
-            <a:endParaRPr lang="ko-KR" altLang="en-US">
+              <a:t>version</a:t>
+            </a:r>
+            <a:endParaRPr lang="ko-KR" altLang="en-US" b="1">
               <a:solidFill>
                 <a:schemeClr val="tx1"/>
               </a:solidFill>
@@ -5260,10 +5167,10 @@
       </p:sp>
       <p:sp>
         <p:nvSpPr>
-          <p:cNvPr id="27" name="타원 26">
-            <a:extLst>
-              <a:ext uri="{FF2B5EF4-FFF2-40B4-BE49-F238E27FC236}">
-                <a16:creationId xmlns:a16="http://schemas.microsoft.com/office/drawing/2014/main" id="{0F3B2E77-9C1D-413B-BE69-0066F98BC722}"/>
+          <p:cNvPr id="29" name="직사각형 28">
+            <a:extLst>
+              <a:ext uri="{FF2B5EF4-FFF2-40B4-BE49-F238E27FC236}">
+                <a16:creationId xmlns:a16="http://schemas.microsoft.com/office/drawing/2014/main" id="{779AD346-3977-433A-BD16-19030A892FB5}"/>
               </a:ext>
             </a:extLst>
           </p:cNvPr>
@@ -5272,14 +5179,14 @@
         </p:nvSpPr>
         <p:spPr>
           <a:xfrm>
-            <a:off x="7683673" y="1112202"/>
-            <a:ext cx="387927" cy="389524"/>
-          </a:xfrm>
-          <a:prstGeom prst="ellipse">
+            <a:off x="8096242" y="815397"/>
+            <a:ext cx="1484308" cy="555017"/>
+          </a:xfrm>
+          <a:prstGeom prst="rect">
             <a:avLst/>
           </a:prstGeom>
           <a:solidFill>
-            <a:schemeClr val="accent6">
+            <a:schemeClr val="accent1">
               <a:lumMod val="20000"/>
               <a:lumOff val="80000"/>
             </a:schemeClr>
@@ -5307,14 +5214,14 @@
           <a:p>
             <a:pPr algn="ctr"/>
             <a:r>
-              <a:rPr lang="en-US" altLang="ko-KR">
+              <a:rPr lang="en-US" altLang="ko-KR" b="1">
                 <a:solidFill>
                   <a:schemeClr val="tx1"/>
                 </a:solidFill>
               </a:rPr>
-              <a:t>2</a:t>
-            </a:r>
-            <a:endParaRPr lang="ko-KR" altLang="en-US">
+              <a:t>status</a:t>
+            </a:r>
+            <a:endParaRPr lang="ko-KR" altLang="en-US" b="1">
               <a:solidFill>
                 <a:schemeClr val="tx1"/>
               </a:solidFill>
@@ -5324,10 +5231,10 @@
       </p:sp>
       <p:sp>
         <p:nvSpPr>
-          <p:cNvPr id="28" name="타원 27">
-            <a:extLst>
-              <a:ext uri="{FF2B5EF4-FFF2-40B4-BE49-F238E27FC236}">
-                <a16:creationId xmlns:a16="http://schemas.microsoft.com/office/drawing/2014/main" id="{EF30FDAD-6590-4520-9762-AF8F2041D4B5}"/>
+          <p:cNvPr id="30" name="직사각형 29">
+            <a:extLst>
+              <a:ext uri="{FF2B5EF4-FFF2-40B4-BE49-F238E27FC236}">
+                <a16:creationId xmlns:a16="http://schemas.microsoft.com/office/drawing/2014/main" id="{F2DE77AF-F545-4958-89C0-01EA636890AE}"/>
               </a:ext>
             </a:extLst>
           </p:cNvPr>
@@ -5336,14 +5243,14 @@
         </p:nvSpPr>
         <p:spPr>
           <a:xfrm>
-            <a:off x="6105494" y="1764866"/>
-            <a:ext cx="387927" cy="389524"/>
-          </a:xfrm>
-          <a:prstGeom prst="ellipse">
+            <a:off x="9849850" y="815397"/>
+            <a:ext cx="1484308" cy="555017"/>
+          </a:xfrm>
+          <a:prstGeom prst="rect">
             <a:avLst/>
           </a:prstGeom>
           <a:solidFill>
-            <a:schemeClr val="accent6">
+            <a:schemeClr val="accent1">
               <a:lumMod val="20000"/>
               <a:lumOff val="80000"/>
             </a:schemeClr>
@@ -5371,14 +5278,14 @@
           <a:p>
             <a:pPr algn="ctr"/>
             <a:r>
-              <a:rPr lang="en-US" altLang="ko-KR">
+              <a:rPr lang="en-US" altLang="ko-KR" b="1">
                 <a:solidFill>
                   <a:schemeClr val="tx1"/>
                 </a:solidFill>
               </a:rPr>
-              <a:t>3</a:t>
-            </a:r>
-            <a:endParaRPr lang="ko-KR" altLang="en-US">
+              <a:t>sentence</a:t>
+            </a:r>
+            <a:endParaRPr lang="ko-KR" altLang="en-US" b="1">
               <a:solidFill>
                 <a:schemeClr val="tx1"/>
               </a:solidFill>
@@ -5388,10 +5295,10 @@
       </p:sp>
       <p:sp>
         <p:nvSpPr>
-          <p:cNvPr id="30" name="타원 29">
-            <a:extLst>
-              <a:ext uri="{FF2B5EF4-FFF2-40B4-BE49-F238E27FC236}">
-                <a16:creationId xmlns:a16="http://schemas.microsoft.com/office/drawing/2014/main" id="{5BE2A9DE-6A42-48A6-909E-BFA452E32364}"/>
+          <p:cNvPr id="31" name="직사각형 30">
+            <a:extLst>
+              <a:ext uri="{FF2B5EF4-FFF2-40B4-BE49-F238E27FC236}">
+                <a16:creationId xmlns:a16="http://schemas.microsoft.com/office/drawing/2014/main" id="{1690DC93-7687-4C33-ABE8-4C967F2E7C68}"/>
               </a:ext>
             </a:extLst>
           </p:cNvPr>
@@ -5400,14 +5307,14 @@
         </p:nvSpPr>
         <p:spPr>
           <a:xfrm>
-            <a:off x="6145067" y="3370599"/>
-            <a:ext cx="387927" cy="389524"/>
-          </a:xfrm>
-          <a:prstGeom prst="ellipse">
+            <a:off x="6197943" y="1520248"/>
+            <a:ext cx="1484308" cy="555017"/>
+          </a:xfrm>
+          <a:prstGeom prst="rect">
             <a:avLst/>
           </a:prstGeom>
           <a:solidFill>
-            <a:schemeClr val="accent6">
+            <a:schemeClr val="accent1">
               <a:lumMod val="20000"/>
               <a:lumOff val="80000"/>
             </a:schemeClr>
@@ -5435,14 +5342,14 @@
           <a:p>
             <a:pPr algn="ctr"/>
             <a:r>
-              <a:rPr lang="en-US" altLang="ko-KR">
+              <a:rPr lang="en-US" altLang="ko-KR" b="1">
                 <a:solidFill>
                   <a:schemeClr val="tx1"/>
                 </a:solidFill>
               </a:rPr>
-              <a:t>4</a:t>
-            </a:r>
-            <a:endParaRPr lang="ko-KR" altLang="en-US">
+              <a:t>header filed</a:t>
+            </a:r>
+            <a:endParaRPr lang="ko-KR" altLang="en-US" b="1">
               <a:solidFill>
                 <a:schemeClr val="tx1"/>
               </a:solidFill>
@@ -5450,10 +5357,450 @@
           </a:p>
         </p:txBody>
       </p:sp>
+      <p:sp>
+        <p:nvSpPr>
+          <p:cNvPr id="32" name="직사각형 31">
+            <a:extLst>
+              <a:ext uri="{FF2B5EF4-FFF2-40B4-BE49-F238E27FC236}">
+                <a16:creationId xmlns:a16="http://schemas.microsoft.com/office/drawing/2014/main" id="{21D404F6-122C-4042-B925-233321795DC7}"/>
+              </a:ext>
+            </a:extLst>
+          </p:cNvPr>
+          <p:cNvSpPr/>
+          <p:nvPr/>
+        </p:nvSpPr>
+        <p:spPr>
+          <a:xfrm>
+            <a:off x="8096242" y="1520247"/>
+            <a:ext cx="1484308" cy="555017"/>
+          </a:xfrm>
+          <a:prstGeom prst="rect">
+            <a:avLst/>
+          </a:prstGeom>
+          <a:solidFill>
+            <a:schemeClr val="accent1">
+              <a:lumMod val="20000"/>
+              <a:lumOff val="80000"/>
+            </a:schemeClr>
+          </a:solidFill>
+        </p:spPr>
+        <p:style>
+          <a:lnRef idx="2">
+            <a:schemeClr val="accent1">
+              <a:shade val="50000"/>
+            </a:schemeClr>
+          </a:lnRef>
+          <a:fillRef idx="1">
+            <a:schemeClr val="accent1"/>
+          </a:fillRef>
+          <a:effectRef idx="0">
+            <a:schemeClr val="accent1"/>
+          </a:effectRef>
+          <a:fontRef idx="minor">
+            <a:schemeClr val="lt1"/>
+          </a:fontRef>
+        </p:style>
+        <p:txBody>
+          <a:bodyPr rtlCol="0" anchor="ctr"/>
+          <a:lstStyle/>
+          <a:p>
+            <a:pPr algn="ctr"/>
+            <a:r>
+              <a:rPr lang="en-US" altLang="ko-KR" b="1">
+                <a:solidFill>
+                  <a:schemeClr val="tx1"/>
+                </a:solidFill>
+              </a:rPr>
+              <a:t>header value</a:t>
+            </a:r>
+            <a:endParaRPr lang="ko-KR" altLang="en-US" b="1">
+              <a:solidFill>
+                <a:schemeClr val="tx1"/>
+              </a:solidFill>
+            </a:endParaRPr>
+          </a:p>
+        </p:txBody>
+      </p:sp>
+      <p:sp>
+        <p:nvSpPr>
+          <p:cNvPr id="33" name="직사각형 32">
+            <a:extLst>
+              <a:ext uri="{FF2B5EF4-FFF2-40B4-BE49-F238E27FC236}">
+                <a16:creationId xmlns:a16="http://schemas.microsoft.com/office/drawing/2014/main" id="{2C8F9836-69FC-4170-A86D-75DB7CB95166}"/>
+              </a:ext>
+            </a:extLst>
+          </p:cNvPr>
+          <p:cNvSpPr/>
+          <p:nvPr/>
+        </p:nvSpPr>
+        <p:spPr>
+          <a:xfrm>
+            <a:off x="6197943" y="2929948"/>
+            <a:ext cx="1484308" cy="555017"/>
+          </a:xfrm>
+          <a:prstGeom prst="rect">
+            <a:avLst/>
+          </a:prstGeom>
+          <a:solidFill>
+            <a:schemeClr val="accent1">
+              <a:lumMod val="20000"/>
+              <a:lumOff val="80000"/>
+            </a:schemeClr>
+          </a:solidFill>
+        </p:spPr>
+        <p:style>
+          <a:lnRef idx="2">
+            <a:schemeClr val="accent1">
+              <a:shade val="50000"/>
+            </a:schemeClr>
+          </a:lnRef>
+          <a:fillRef idx="1">
+            <a:schemeClr val="accent1"/>
+          </a:fillRef>
+          <a:effectRef idx="0">
+            <a:schemeClr val="accent1"/>
+          </a:effectRef>
+          <a:fontRef idx="minor">
+            <a:schemeClr val="lt1"/>
+          </a:fontRef>
+        </p:style>
+        <p:txBody>
+          <a:bodyPr rtlCol="0" anchor="ctr"/>
+          <a:lstStyle/>
+          <a:p>
+            <a:pPr algn="ctr"/>
+            <a:r>
+              <a:rPr lang="en-US" altLang="ko-KR" b="1">
+                <a:solidFill>
+                  <a:schemeClr val="tx1"/>
+                </a:solidFill>
+              </a:rPr>
+              <a:t>header field</a:t>
+            </a:r>
+            <a:endParaRPr lang="ko-KR" altLang="en-US" b="1">
+              <a:solidFill>
+                <a:schemeClr val="tx1"/>
+              </a:solidFill>
+            </a:endParaRPr>
+          </a:p>
+        </p:txBody>
+      </p:sp>
+      <p:sp>
+        <p:nvSpPr>
+          <p:cNvPr id="34" name="직사각형 33">
+            <a:extLst>
+              <a:ext uri="{FF2B5EF4-FFF2-40B4-BE49-F238E27FC236}">
+                <a16:creationId xmlns:a16="http://schemas.microsoft.com/office/drawing/2014/main" id="{BC60E881-CF23-4692-A999-F4BF5D1BA2A5}"/>
+              </a:ext>
+            </a:extLst>
+          </p:cNvPr>
+          <p:cNvSpPr/>
+          <p:nvPr/>
+        </p:nvSpPr>
+        <p:spPr>
+          <a:xfrm>
+            <a:off x="8096241" y="2929947"/>
+            <a:ext cx="1484308" cy="555017"/>
+          </a:xfrm>
+          <a:prstGeom prst="rect">
+            <a:avLst/>
+          </a:prstGeom>
+          <a:solidFill>
+            <a:schemeClr val="accent1">
+              <a:lumMod val="20000"/>
+              <a:lumOff val="80000"/>
+            </a:schemeClr>
+          </a:solidFill>
+        </p:spPr>
+        <p:style>
+          <a:lnRef idx="2">
+            <a:schemeClr val="accent1">
+              <a:shade val="50000"/>
+            </a:schemeClr>
+          </a:lnRef>
+          <a:fillRef idx="1">
+            <a:schemeClr val="accent1"/>
+          </a:fillRef>
+          <a:effectRef idx="0">
+            <a:schemeClr val="accent1"/>
+          </a:effectRef>
+          <a:fontRef idx="minor">
+            <a:schemeClr val="lt1"/>
+          </a:fontRef>
+        </p:style>
+        <p:txBody>
+          <a:bodyPr rtlCol="0" anchor="ctr"/>
+          <a:lstStyle/>
+          <a:p>
+            <a:pPr algn="ctr"/>
+            <a:r>
+              <a:rPr lang="en-US" altLang="ko-KR" b="1">
+                <a:solidFill>
+                  <a:schemeClr val="tx1"/>
+                </a:solidFill>
+              </a:rPr>
+              <a:t>header value</a:t>
+            </a:r>
+            <a:endParaRPr lang="ko-KR" altLang="en-US" b="1">
+              <a:solidFill>
+                <a:schemeClr val="tx1"/>
+              </a:solidFill>
+            </a:endParaRPr>
+          </a:p>
+        </p:txBody>
+      </p:sp>
+      <p:sp>
+        <p:nvSpPr>
+          <p:cNvPr id="35" name="직사각형 34">
+            <a:extLst>
+              <a:ext uri="{FF2B5EF4-FFF2-40B4-BE49-F238E27FC236}">
+                <a16:creationId xmlns:a16="http://schemas.microsoft.com/office/drawing/2014/main" id="{1BEC93B4-DC1D-4138-8D0B-163DB017A333}"/>
+              </a:ext>
+            </a:extLst>
+          </p:cNvPr>
+          <p:cNvSpPr/>
+          <p:nvPr/>
+        </p:nvSpPr>
+        <p:spPr>
+          <a:xfrm>
+            <a:off x="6197941" y="4153766"/>
+            <a:ext cx="5060375" cy="1351107"/>
+          </a:xfrm>
+          <a:prstGeom prst="rect">
+            <a:avLst/>
+          </a:prstGeom>
+          <a:solidFill>
+            <a:schemeClr val="accent1">
+              <a:lumMod val="20000"/>
+              <a:lumOff val="80000"/>
+            </a:schemeClr>
+          </a:solidFill>
+        </p:spPr>
+        <p:style>
+          <a:lnRef idx="2">
+            <a:schemeClr val="accent1">
+              <a:shade val="50000"/>
+            </a:schemeClr>
+          </a:lnRef>
+          <a:fillRef idx="1">
+            <a:schemeClr val="accent1"/>
+          </a:fillRef>
+          <a:effectRef idx="0">
+            <a:schemeClr val="accent1"/>
+          </a:effectRef>
+          <a:fontRef idx="minor">
+            <a:schemeClr val="lt1"/>
+          </a:fontRef>
+        </p:style>
+        <p:txBody>
+          <a:bodyPr rtlCol="0" anchor="ctr"/>
+          <a:lstStyle/>
+          <a:p>
+            <a:pPr algn="ctr"/>
+            <a:r>
+              <a:rPr lang="en-US" altLang="ko-KR" b="1">
+                <a:solidFill>
+                  <a:schemeClr val="tx1"/>
+                </a:solidFill>
+              </a:rPr>
+              <a:t>response body</a:t>
+            </a:r>
+            <a:endParaRPr lang="ko-KR" altLang="en-US" b="1">
+              <a:solidFill>
+                <a:schemeClr val="tx1"/>
+              </a:solidFill>
+            </a:endParaRPr>
+          </a:p>
+        </p:txBody>
+      </p:sp>
+      <p:sp>
+        <p:nvSpPr>
+          <p:cNvPr id="36" name="타원 35">
+            <a:extLst>
+              <a:ext uri="{FF2B5EF4-FFF2-40B4-BE49-F238E27FC236}">
+                <a16:creationId xmlns:a16="http://schemas.microsoft.com/office/drawing/2014/main" id="{9AFFCDA0-D69F-4065-936D-DAF06C3B4703}"/>
+              </a:ext>
+            </a:extLst>
+          </p:cNvPr>
+          <p:cNvSpPr/>
+          <p:nvPr/>
+        </p:nvSpPr>
+        <p:spPr>
+          <a:xfrm>
+            <a:off x="6842871" y="2493818"/>
+            <a:ext cx="45719" cy="45719"/>
+          </a:xfrm>
+          <a:prstGeom prst="ellipse">
+            <a:avLst/>
+          </a:prstGeom>
+        </p:spPr>
+        <p:style>
+          <a:lnRef idx="2">
+            <a:schemeClr val="accent1">
+              <a:shade val="50000"/>
+            </a:schemeClr>
+          </a:lnRef>
+          <a:fillRef idx="1">
+            <a:schemeClr val="accent1"/>
+          </a:fillRef>
+          <a:effectRef idx="0">
+            <a:schemeClr val="accent1"/>
+          </a:effectRef>
+          <a:fontRef idx="minor">
+            <a:schemeClr val="lt1"/>
+          </a:fontRef>
+        </p:style>
+        <p:txBody>
+          <a:bodyPr rtlCol="0" anchor="ctr"/>
+          <a:lstStyle/>
+          <a:p>
+            <a:pPr algn="ctr"/>
+            <a:endParaRPr lang="ko-KR" altLang="en-US"/>
+          </a:p>
+        </p:txBody>
+      </p:sp>
+      <p:sp>
+        <p:nvSpPr>
+          <p:cNvPr id="37" name="타원 36">
+            <a:extLst>
+              <a:ext uri="{FF2B5EF4-FFF2-40B4-BE49-F238E27FC236}">
+                <a16:creationId xmlns:a16="http://schemas.microsoft.com/office/drawing/2014/main" id="{32678625-99CB-479F-ABEA-025C15601DF4}"/>
+              </a:ext>
+            </a:extLst>
+          </p:cNvPr>
+          <p:cNvSpPr/>
+          <p:nvPr/>
+        </p:nvSpPr>
+        <p:spPr>
+          <a:xfrm>
+            <a:off x="7325730" y="2493818"/>
+            <a:ext cx="45719" cy="45719"/>
+          </a:xfrm>
+          <a:prstGeom prst="ellipse">
+            <a:avLst/>
+          </a:prstGeom>
+        </p:spPr>
+        <p:style>
+          <a:lnRef idx="2">
+            <a:schemeClr val="accent1">
+              <a:shade val="50000"/>
+            </a:schemeClr>
+          </a:lnRef>
+          <a:fillRef idx="1">
+            <a:schemeClr val="accent1"/>
+          </a:fillRef>
+          <a:effectRef idx="0">
+            <a:schemeClr val="accent1"/>
+          </a:effectRef>
+          <a:fontRef idx="minor">
+            <a:schemeClr val="lt1"/>
+          </a:fontRef>
+        </p:style>
+        <p:txBody>
+          <a:bodyPr rtlCol="0" anchor="ctr"/>
+          <a:lstStyle/>
+          <a:p>
+            <a:pPr algn="ctr"/>
+            <a:endParaRPr lang="ko-KR" altLang="en-US"/>
+          </a:p>
+        </p:txBody>
+      </p:sp>
+      <p:sp>
+        <p:nvSpPr>
+          <p:cNvPr id="38" name="타원 37">
+            <a:extLst>
+              <a:ext uri="{FF2B5EF4-FFF2-40B4-BE49-F238E27FC236}">
+                <a16:creationId xmlns:a16="http://schemas.microsoft.com/office/drawing/2014/main" id="{65C90490-0161-43EC-8A7B-800DAC7753E7}"/>
+              </a:ext>
+            </a:extLst>
+          </p:cNvPr>
+          <p:cNvSpPr/>
+          <p:nvPr/>
+        </p:nvSpPr>
+        <p:spPr>
+          <a:xfrm>
+            <a:off x="7845767" y="2493817"/>
+            <a:ext cx="45719" cy="45719"/>
+          </a:xfrm>
+          <a:prstGeom prst="ellipse">
+            <a:avLst/>
+          </a:prstGeom>
+        </p:spPr>
+        <p:style>
+          <a:lnRef idx="2">
+            <a:schemeClr val="accent1">
+              <a:shade val="50000"/>
+            </a:schemeClr>
+          </a:lnRef>
+          <a:fillRef idx="1">
+            <a:schemeClr val="accent1"/>
+          </a:fillRef>
+          <a:effectRef idx="0">
+            <a:schemeClr val="accent1"/>
+          </a:effectRef>
+          <a:fontRef idx="minor">
+            <a:schemeClr val="lt1"/>
+          </a:fontRef>
+        </p:style>
+        <p:txBody>
+          <a:bodyPr rtlCol="0" anchor="ctr"/>
+          <a:lstStyle/>
+          <a:p>
+            <a:pPr algn="ctr"/>
+            <a:endParaRPr lang="ko-KR" altLang="en-US"/>
+          </a:p>
+        </p:txBody>
+      </p:sp>
+      <p:sp>
+        <p:nvSpPr>
+          <p:cNvPr id="39" name="타원 38">
+            <a:extLst>
+              <a:ext uri="{FF2B5EF4-FFF2-40B4-BE49-F238E27FC236}">
+                <a16:creationId xmlns:a16="http://schemas.microsoft.com/office/drawing/2014/main" id="{65651A53-B9C4-4166-BCD2-07DA9CF9E731}"/>
+              </a:ext>
+            </a:extLst>
+          </p:cNvPr>
+          <p:cNvSpPr/>
+          <p:nvPr/>
+        </p:nvSpPr>
+        <p:spPr>
+          <a:xfrm>
+            <a:off x="8256823" y="2490006"/>
+            <a:ext cx="45719" cy="45719"/>
+          </a:xfrm>
+          <a:prstGeom prst="ellipse">
+            <a:avLst/>
+          </a:prstGeom>
+        </p:spPr>
+        <p:style>
+          <a:lnRef idx="2">
+            <a:schemeClr val="accent1">
+              <a:shade val="50000"/>
+            </a:schemeClr>
+          </a:lnRef>
+          <a:fillRef idx="1">
+            <a:schemeClr val="accent1"/>
+          </a:fillRef>
+          <a:effectRef idx="0">
+            <a:schemeClr val="accent1"/>
+          </a:effectRef>
+          <a:fontRef idx="minor">
+            <a:schemeClr val="lt1"/>
+          </a:fontRef>
+        </p:style>
+        <p:txBody>
+          <a:bodyPr rtlCol="0" anchor="ctr"/>
+          <a:lstStyle/>
+          <a:p>
+            <a:pPr algn="ctr"/>
+            <a:endParaRPr lang="ko-KR" altLang="en-US"/>
+          </a:p>
+        </p:txBody>
+      </p:sp>
     </p:spTree>
     <p:extLst>
       <p:ext uri="{BB962C8B-B14F-4D97-AF65-F5344CB8AC3E}">
-        <p14:creationId xmlns:p14="http://schemas.microsoft.com/office/powerpoint/2010/main" val="751950637"/>
+        <p14:creationId xmlns:p14="http://schemas.microsoft.com/office/powerpoint/2010/main" val="3095871189"/>
       </p:ext>
     </p:extLst>
   </p:cSld>

--- a/CS/image/image.pptx
+++ b/CS/image/image.pptx
@@ -7,6 +7,8 @@
   <p:sldIdLst>
     <p:sldId id="256" r:id="rId2"/>
     <p:sldId id="258" r:id="rId3"/>
+    <p:sldId id="259" r:id="rId4"/>
+    <p:sldId id="260" r:id="rId5"/>
   </p:sldIdLst>
   <p:sldSz cx="12192000" cy="6858000"/>
   <p:notesSz cx="6858000" cy="9144000"/>
@@ -260,7 +262,7 @@
           <a:p>
             <a:fld id="{8C944238-4D02-4E8A-A65E-507BB207C386}" type="datetimeFigureOut">
               <a:rPr lang="ko-KR" altLang="en-US" smtClean="0"/>
-              <a:t>2022-03-30</a:t>
+              <a:t>2022-04-01</a:t>
             </a:fld>
             <a:endParaRPr lang="ko-KR" altLang="en-US"/>
           </a:p>
@@ -458,7 +460,7 @@
           <a:p>
             <a:fld id="{8C944238-4D02-4E8A-A65E-507BB207C386}" type="datetimeFigureOut">
               <a:rPr lang="ko-KR" altLang="en-US" smtClean="0"/>
-              <a:t>2022-03-30</a:t>
+              <a:t>2022-04-01</a:t>
             </a:fld>
             <a:endParaRPr lang="ko-KR" altLang="en-US"/>
           </a:p>
@@ -666,7 +668,7 @@
           <a:p>
             <a:fld id="{8C944238-4D02-4E8A-A65E-507BB207C386}" type="datetimeFigureOut">
               <a:rPr lang="ko-KR" altLang="en-US" smtClean="0"/>
-              <a:t>2022-03-30</a:t>
+              <a:t>2022-04-01</a:t>
             </a:fld>
             <a:endParaRPr lang="ko-KR" altLang="en-US"/>
           </a:p>
@@ -864,7 +866,7 @@
           <a:p>
             <a:fld id="{8C944238-4D02-4E8A-A65E-507BB207C386}" type="datetimeFigureOut">
               <a:rPr lang="ko-KR" altLang="en-US" smtClean="0"/>
-              <a:t>2022-03-30</a:t>
+              <a:t>2022-04-01</a:t>
             </a:fld>
             <a:endParaRPr lang="ko-KR" altLang="en-US"/>
           </a:p>
@@ -1139,7 +1141,7 @@
           <a:p>
             <a:fld id="{8C944238-4D02-4E8A-A65E-507BB207C386}" type="datetimeFigureOut">
               <a:rPr lang="ko-KR" altLang="en-US" smtClean="0"/>
-              <a:t>2022-03-30</a:t>
+              <a:t>2022-04-01</a:t>
             </a:fld>
             <a:endParaRPr lang="ko-KR" altLang="en-US"/>
           </a:p>
@@ -1404,7 +1406,7 @@
           <a:p>
             <a:fld id="{8C944238-4D02-4E8A-A65E-507BB207C386}" type="datetimeFigureOut">
               <a:rPr lang="ko-KR" altLang="en-US" smtClean="0"/>
-              <a:t>2022-03-30</a:t>
+              <a:t>2022-04-01</a:t>
             </a:fld>
             <a:endParaRPr lang="ko-KR" altLang="en-US"/>
           </a:p>
@@ -1816,7 +1818,7 @@
           <a:p>
             <a:fld id="{8C944238-4D02-4E8A-A65E-507BB207C386}" type="datetimeFigureOut">
               <a:rPr lang="ko-KR" altLang="en-US" smtClean="0"/>
-              <a:t>2022-03-30</a:t>
+              <a:t>2022-04-01</a:t>
             </a:fld>
             <a:endParaRPr lang="ko-KR" altLang="en-US"/>
           </a:p>
@@ -1957,7 +1959,7 @@
           <a:p>
             <a:fld id="{8C944238-4D02-4E8A-A65E-507BB207C386}" type="datetimeFigureOut">
               <a:rPr lang="ko-KR" altLang="en-US" smtClean="0"/>
-              <a:t>2022-03-30</a:t>
+              <a:t>2022-04-01</a:t>
             </a:fld>
             <a:endParaRPr lang="ko-KR" altLang="en-US"/>
           </a:p>
@@ -2070,7 +2072,7 @@
           <a:p>
             <a:fld id="{8C944238-4D02-4E8A-A65E-507BB207C386}" type="datetimeFigureOut">
               <a:rPr lang="ko-KR" altLang="en-US" smtClean="0"/>
-              <a:t>2022-03-30</a:t>
+              <a:t>2022-04-01</a:t>
             </a:fld>
             <a:endParaRPr lang="ko-KR" altLang="en-US"/>
           </a:p>
@@ -2381,7 +2383,7 @@
           <a:p>
             <a:fld id="{8C944238-4D02-4E8A-A65E-507BB207C386}" type="datetimeFigureOut">
               <a:rPr lang="ko-KR" altLang="en-US" smtClean="0"/>
-              <a:t>2022-03-30</a:t>
+              <a:t>2022-04-01</a:t>
             </a:fld>
             <a:endParaRPr lang="ko-KR" altLang="en-US"/>
           </a:p>
@@ -2669,7 +2671,7 @@
           <a:p>
             <a:fld id="{8C944238-4D02-4E8A-A65E-507BB207C386}" type="datetimeFigureOut">
               <a:rPr lang="ko-KR" altLang="en-US" smtClean="0"/>
-              <a:t>2022-03-30</a:t>
+              <a:t>2022-04-01</a:t>
             </a:fld>
             <a:endParaRPr lang="ko-KR" altLang="en-US"/>
           </a:p>
@@ -2910,7 +2912,7 @@
           <a:p>
             <a:fld id="{8C944238-4D02-4E8A-A65E-507BB207C386}" type="datetimeFigureOut">
               <a:rPr lang="ko-KR" altLang="en-US" smtClean="0"/>
-              <a:t>2022-03-30</a:t>
+              <a:t>2022-04-01</a:t>
             </a:fld>
             <a:endParaRPr lang="ko-KR" altLang="en-US"/>
           </a:p>
@@ -5810,6 +5812,2149 @@
 </p:sld>
 </file>
 
+<file path=ppt/slides/slide3.xml><?xml version="1.0" encoding="utf-8"?>
+<p:sld xmlns:a="http://schemas.openxmlformats.org/drawingml/2006/main" xmlns:r="http://schemas.openxmlformats.org/officeDocument/2006/relationships" xmlns:p="http://schemas.openxmlformats.org/presentationml/2006/main">
+  <p:cSld>
+    <p:spTree>
+      <p:nvGrpSpPr>
+        <p:cNvPr id="1" name=""/>
+        <p:cNvGrpSpPr/>
+        <p:nvPr/>
+      </p:nvGrpSpPr>
+      <p:grpSpPr>
+        <a:xfrm>
+          <a:off x="0" y="0"/>
+          <a:ext cx="0" cy="0"/>
+          <a:chOff x="0" y="0"/>
+          <a:chExt cx="0" cy="0"/>
+        </a:xfrm>
+      </p:grpSpPr>
+      <p:graphicFrame>
+        <p:nvGraphicFramePr>
+          <p:cNvPr id="4" name="표 4">
+            <a:extLst>
+              <a:ext uri="{FF2B5EF4-FFF2-40B4-BE49-F238E27FC236}">
+                <a16:creationId xmlns:a16="http://schemas.microsoft.com/office/drawing/2014/main" id="{76DF8F47-2B62-42EE-8E3E-275B64D8482C}"/>
+              </a:ext>
+            </a:extLst>
+          </p:cNvPr>
+          <p:cNvGraphicFramePr>
+            <a:graphicFrameLocks noGrp="1"/>
+          </p:cNvGraphicFramePr>
+          <p:nvPr>
+            <p:extLst>
+              <p:ext uri="{D42A27DB-BD31-4B8C-83A1-F6EECF244321}">
+                <p14:modId xmlns:p14="http://schemas.microsoft.com/office/powerpoint/2010/main" val="972080701"/>
+              </p:ext>
+            </p:extLst>
+          </p:nvPr>
+        </p:nvGraphicFramePr>
+        <p:xfrm>
+          <a:off x="1681018" y="2493047"/>
+          <a:ext cx="9587347" cy="3108960"/>
+        </p:xfrm>
+        <a:graphic>
+          <a:graphicData uri="http://schemas.openxmlformats.org/drawingml/2006/table">
+            <a:tbl>
+              <a:tblPr firstRow="1" bandRow="1">
+                <a:tableStyleId>{5C22544A-7EE6-4342-B048-85BDC9FD1C3A}</a:tableStyleId>
+              </a:tblPr>
+              <a:tblGrid>
+                <a:gridCol w="1187523">
+                  <a:extLst>
+                    <a:ext uri="{9D8B030D-6E8A-4147-A177-3AD203B41FA5}">
+                      <a16:colId xmlns:a16="http://schemas.microsoft.com/office/drawing/2014/main" val="765071801"/>
+                    </a:ext>
+                  </a:extLst>
+                </a:gridCol>
+                <a:gridCol w="1198417">
+                  <a:extLst>
+                    <a:ext uri="{9D8B030D-6E8A-4147-A177-3AD203B41FA5}">
+                      <a16:colId xmlns:a16="http://schemas.microsoft.com/office/drawing/2014/main" val="2170111476"/>
+                    </a:ext>
+                  </a:extLst>
+                </a:gridCol>
+                <a:gridCol w="300967">
+                  <a:extLst>
+                    <a:ext uri="{9D8B030D-6E8A-4147-A177-3AD203B41FA5}">
+                      <a16:colId xmlns:a16="http://schemas.microsoft.com/office/drawing/2014/main" val="400599557"/>
+                    </a:ext>
+                  </a:extLst>
+                </a:gridCol>
+                <a:gridCol w="300967">
+                  <a:extLst>
+                    <a:ext uri="{9D8B030D-6E8A-4147-A177-3AD203B41FA5}">
+                      <a16:colId xmlns:a16="http://schemas.microsoft.com/office/drawing/2014/main" val="3769202475"/>
+                    </a:ext>
+                  </a:extLst>
+                </a:gridCol>
+                <a:gridCol w="300967">
+                  <a:extLst>
+                    <a:ext uri="{9D8B030D-6E8A-4147-A177-3AD203B41FA5}">
+                      <a16:colId xmlns:a16="http://schemas.microsoft.com/office/drawing/2014/main" val="1203031491"/>
+                    </a:ext>
+                  </a:extLst>
+                </a:gridCol>
+                <a:gridCol w="300967">
+                  <a:extLst>
+                    <a:ext uri="{9D8B030D-6E8A-4147-A177-3AD203B41FA5}">
+                      <a16:colId xmlns:a16="http://schemas.microsoft.com/office/drawing/2014/main" val="3084770891"/>
+                    </a:ext>
+                  </a:extLst>
+                </a:gridCol>
+                <a:gridCol w="300967">
+                  <a:extLst>
+                    <a:ext uri="{9D8B030D-6E8A-4147-A177-3AD203B41FA5}">
+                      <a16:colId xmlns:a16="http://schemas.microsoft.com/office/drawing/2014/main" val="4112089117"/>
+                    </a:ext>
+                  </a:extLst>
+                </a:gridCol>
+                <a:gridCol w="300967">
+                  <a:extLst>
+                    <a:ext uri="{9D8B030D-6E8A-4147-A177-3AD203B41FA5}">
+                      <a16:colId xmlns:a16="http://schemas.microsoft.com/office/drawing/2014/main" val="2682237463"/>
+                    </a:ext>
+                  </a:extLst>
+                </a:gridCol>
+                <a:gridCol w="300967">
+                  <a:extLst>
+                    <a:ext uri="{9D8B030D-6E8A-4147-A177-3AD203B41FA5}">
+                      <a16:colId xmlns:a16="http://schemas.microsoft.com/office/drawing/2014/main" val="3805217504"/>
+                    </a:ext>
+                  </a:extLst>
+                </a:gridCol>
+                <a:gridCol w="300967">
+                  <a:extLst>
+                    <a:ext uri="{9D8B030D-6E8A-4147-A177-3AD203B41FA5}">
+                      <a16:colId xmlns:a16="http://schemas.microsoft.com/office/drawing/2014/main" val="2024625221"/>
+                    </a:ext>
+                  </a:extLst>
+                </a:gridCol>
+                <a:gridCol w="4793671">
+                  <a:extLst>
+                    <a:ext uri="{9D8B030D-6E8A-4147-A177-3AD203B41FA5}">
+                      <a16:colId xmlns:a16="http://schemas.microsoft.com/office/drawing/2014/main" val="513841588"/>
+                    </a:ext>
+                  </a:extLst>
+                </a:gridCol>
+              </a:tblGrid>
+              <a:tr h="343204">
+                <a:tc gridSpan="10">
+                  <a:txBody>
+                    <a:bodyPr/>
+                    <a:lstStyle/>
+                    <a:p>
+                      <a:pPr latinLnBrk="1"/>
+                      <a:r>
+                        <a:rPr lang="ko-KR" altLang="en-US"/>
+                        <a:t>출발지 </a:t>
+                      </a:r>
+                      <a:r>
+                        <a:rPr lang="en-US" altLang="ko-KR"/>
+                        <a:t>port</a:t>
+                      </a:r>
+                      <a:endParaRPr lang="ko-KR" altLang="en-US"/>
+                    </a:p>
+                  </a:txBody>
+                  <a:tcPr/>
+                </a:tc>
+                <a:tc hMerge="1">
+                  <a:txBody>
+                    <a:bodyPr/>
+                    <a:lstStyle/>
+                    <a:p>
+                      <a:pPr latinLnBrk="1"/>
+                      <a:endParaRPr lang="ko-KR" altLang="en-US"/>
+                    </a:p>
+                  </a:txBody>
+                  <a:tcPr/>
+                </a:tc>
+                <a:tc hMerge="1">
+                  <a:txBody>
+                    <a:bodyPr/>
+                    <a:lstStyle/>
+                    <a:p>
+                      <a:pPr latinLnBrk="1"/>
+                      <a:endParaRPr lang="ko-KR" altLang="en-US"/>
+                    </a:p>
+                  </a:txBody>
+                  <a:tcPr/>
+                </a:tc>
+                <a:tc hMerge="1">
+                  <a:txBody>
+                    <a:bodyPr/>
+                    <a:lstStyle/>
+                    <a:p>
+                      <a:pPr latinLnBrk="1"/>
+                      <a:endParaRPr lang="ko-KR" altLang="en-US"/>
+                    </a:p>
+                  </a:txBody>
+                  <a:tcPr/>
+                </a:tc>
+                <a:tc hMerge="1">
+                  <a:txBody>
+                    <a:bodyPr/>
+                    <a:lstStyle/>
+                    <a:p>
+                      <a:pPr latinLnBrk="1"/>
+                      <a:endParaRPr lang="ko-KR" altLang="en-US"/>
+                    </a:p>
+                  </a:txBody>
+                  <a:tcPr/>
+                </a:tc>
+                <a:tc hMerge="1">
+                  <a:txBody>
+                    <a:bodyPr/>
+                    <a:lstStyle/>
+                    <a:p>
+                      <a:pPr latinLnBrk="1"/>
+                      <a:endParaRPr lang="ko-KR" altLang="en-US"/>
+                    </a:p>
+                  </a:txBody>
+                  <a:tcPr/>
+                </a:tc>
+                <a:tc hMerge="1">
+                  <a:txBody>
+                    <a:bodyPr/>
+                    <a:lstStyle/>
+                    <a:p>
+                      <a:pPr latinLnBrk="1"/>
+                      <a:endParaRPr lang="ko-KR" altLang="en-US"/>
+                    </a:p>
+                  </a:txBody>
+                  <a:tcPr/>
+                </a:tc>
+                <a:tc hMerge="1">
+                  <a:txBody>
+                    <a:bodyPr/>
+                    <a:lstStyle/>
+                    <a:p>
+                      <a:pPr latinLnBrk="1"/>
+                      <a:endParaRPr lang="ko-KR" altLang="en-US"/>
+                    </a:p>
+                  </a:txBody>
+                  <a:tcPr/>
+                </a:tc>
+                <a:tc hMerge="1">
+                  <a:txBody>
+                    <a:bodyPr/>
+                    <a:lstStyle/>
+                    <a:p>
+                      <a:pPr latinLnBrk="1"/>
+                      <a:endParaRPr lang="ko-KR" altLang="en-US"/>
+                    </a:p>
+                  </a:txBody>
+                  <a:tcPr/>
+                </a:tc>
+                <a:tc hMerge="1">
+                  <a:txBody>
+                    <a:bodyPr/>
+                    <a:lstStyle/>
+                    <a:p>
+                      <a:pPr latinLnBrk="1"/>
+                      <a:endParaRPr lang="ko-KR" altLang="en-US"/>
+                    </a:p>
+                  </a:txBody>
+                  <a:tcPr/>
+                </a:tc>
+                <a:tc>
+                  <a:txBody>
+                    <a:bodyPr/>
+                    <a:lstStyle/>
+                    <a:p>
+                      <a:pPr latinLnBrk="1"/>
+                      <a:r>
+                        <a:rPr lang="ko-KR" altLang="en-US"/>
+                        <a:t>도착지 </a:t>
+                      </a:r>
+                      <a:r>
+                        <a:rPr lang="en-US" altLang="ko-KR"/>
+                        <a:t>port</a:t>
+                      </a:r>
+                      <a:endParaRPr lang="ko-KR" altLang="en-US"/>
+                    </a:p>
+                  </a:txBody>
+                  <a:tcPr/>
+                </a:tc>
+                <a:extLst>
+                  <a:ext uri="{0D108BD9-81ED-4DB2-BD59-A6C34878D82A}">
+                    <a16:rowId xmlns:a16="http://schemas.microsoft.com/office/drawing/2014/main" val="2234952227"/>
+                  </a:ext>
+                </a:extLst>
+              </a:tr>
+              <a:tr h="343204">
+                <a:tc gridSpan="11">
+                  <a:txBody>
+                    <a:bodyPr/>
+                    <a:lstStyle/>
+                    <a:p>
+                      <a:pPr latinLnBrk="1"/>
+                      <a:r>
+                        <a:rPr lang="ko-KR" altLang="en-US"/>
+                        <a:t>순서 번호</a:t>
+                      </a:r>
+                      <a:r>
+                        <a:rPr lang="en-US" altLang="ko-KR"/>
+                        <a:t>(SEQ)</a:t>
+                      </a:r>
+                      <a:endParaRPr lang="ko-KR" altLang="en-US"/>
+                    </a:p>
+                  </a:txBody>
+                  <a:tcPr/>
+                </a:tc>
+                <a:tc hMerge="1">
+                  <a:txBody>
+                    <a:bodyPr/>
+                    <a:lstStyle/>
+                    <a:p>
+                      <a:pPr latinLnBrk="1"/>
+                      <a:endParaRPr lang="ko-KR" altLang="en-US"/>
+                    </a:p>
+                  </a:txBody>
+                  <a:tcPr/>
+                </a:tc>
+                <a:tc hMerge="1">
+                  <a:txBody>
+                    <a:bodyPr/>
+                    <a:lstStyle/>
+                    <a:p>
+                      <a:pPr latinLnBrk="1"/>
+                      <a:endParaRPr lang="ko-KR" altLang="en-US"/>
+                    </a:p>
+                  </a:txBody>
+                  <a:tcPr/>
+                </a:tc>
+                <a:tc hMerge="1">
+                  <a:txBody>
+                    <a:bodyPr/>
+                    <a:lstStyle/>
+                    <a:p>
+                      <a:pPr latinLnBrk="1"/>
+                      <a:endParaRPr lang="ko-KR" altLang="en-US"/>
+                    </a:p>
+                  </a:txBody>
+                  <a:tcPr/>
+                </a:tc>
+                <a:tc hMerge="1">
+                  <a:txBody>
+                    <a:bodyPr/>
+                    <a:lstStyle/>
+                    <a:p>
+                      <a:pPr latinLnBrk="1"/>
+                      <a:endParaRPr lang="ko-KR" altLang="en-US"/>
+                    </a:p>
+                  </a:txBody>
+                  <a:tcPr/>
+                </a:tc>
+                <a:tc hMerge="1">
+                  <a:txBody>
+                    <a:bodyPr/>
+                    <a:lstStyle/>
+                    <a:p>
+                      <a:pPr latinLnBrk="1"/>
+                      <a:endParaRPr lang="ko-KR" altLang="en-US"/>
+                    </a:p>
+                  </a:txBody>
+                  <a:tcPr/>
+                </a:tc>
+                <a:tc hMerge="1">
+                  <a:txBody>
+                    <a:bodyPr/>
+                    <a:lstStyle/>
+                    <a:p>
+                      <a:pPr latinLnBrk="1"/>
+                      <a:endParaRPr lang="ko-KR" altLang="en-US"/>
+                    </a:p>
+                  </a:txBody>
+                  <a:tcPr/>
+                </a:tc>
+                <a:tc hMerge="1">
+                  <a:txBody>
+                    <a:bodyPr/>
+                    <a:lstStyle/>
+                    <a:p>
+                      <a:pPr latinLnBrk="1"/>
+                      <a:endParaRPr lang="ko-KR" altLang="en-US"/>
+                    </a:p>
+                  </a:txBody>
+                  <a:tcPr/>
+                </a:tc>
+                <a:tc hMerge="1">
+                  <a:txBody>
+                    <a:bodyPr/>
+                    <a:lstStyle/>
+                    <a:p>
+                      <a:pPr latinLnBrk="1"/>
+                      <a:endParaRPr lang="ko-KR" altLang="en-US"/>
+                    </a:p>
+                  </a:txBody>
+                  <a:tcPr/>
+                </a:tc>
+                <a:tc hMerge="1">
+                  <a:txBody>
+                    <a:bodyPr/>
+                    <a:lstStyle/>
+                    <a:p>
+                      <a:pPr latinLnBrk="1"/>
+                      <a:endParaRPr lang="ko-KR" altLang="en-US"/>
+                    </a:p>
+                  </a:txBody>
+                  <a:tcPr/>
+                </a:tc>
+                <a:tc hMerge="1">
+                  <a:txBody>
+                    <a:bodyPr/>
+                    <a:lstStyle/>
+                    <a:p>
+                      <a:pPr latinLnBrk="1"/>
+                      <a:endParaRPr lang="ko-KR" altLang="en-US"/>
+                    </a:p>
+                  </a:txBody>
+                  <a:tcPr/>
+                </a:tc>
+                <a:extLst>
+                  <a:ext uri="{0D108BD9-81ED-4DB2-BD59-A6C34878D82A}">
+                    <a16:rowId xmlns:a16="http://schemas.microsoft.com/office/drawing/2014/main" val="3383303620"/>
+                  </a:ext>
+                </a:extLst>
+              </a:tr>
+              <a:tr h="343204">
+                <a:tc gridSpan="11">
+                  <a:txBody>
+                    <a:bodyPr/>
+                    <a:lstStyle/>
+                    <a:p>
+                      <a:pPr latinLnBrk="1"/>
+                      <a:r>
+                        <a:rPr lang="ko-KR" altLang="en-US"/>
+                        <a:t>확인 응답 번호</a:t>
+                      </a:r>
+                      <a:r>
+                        <a:rPr lang="en-US" altLang="ko-KR"/>
+                        <a:t>(ACK)</a:t>
+                      </a:r>
+                      <a:endParaRPr lang="ko-KR" altLang="en-US"/>
+                    </a:p>
+                  </a:txBody>
+                  <a:tcPr/>
+                </a:tc>
+                <a:tc hMerge="1">
+                  <a:txBody>
+                    <a:bodyPr/>
+                    <a:lstStyle/>
+                    <a:p>
+                      <a:pPr latinLnBrk="1"/>
+                      <a:endParaRPr lang="ko-KR" altLang="en-US"/>
+                    </a:p>
+                  </a:txBody>
+                  <a:tcPr/>
+                </a:tc>
+                <a:tc hMerge="1">
+                  <a:txBody>
+                    <a:bodyPr/>
+                    <a:lstStyle/>
+                    <a:p>
+                      <a:pPr latinLnBrk="1"/>
+                      <a:endParaRPr lang="ko-KR" altLang="en-US"/>
+                    </a:p>
+                  </a:txBody>
+                  <a:tcPr/>
+                </a:tc>
+                <a:tc hMerge="1">
+                  <a:txBody>
+                    <a:bodyPr/>
+                    <a:lstStyle/>
+                    <a:p>
+                      <a:pPr latinLnBrk="1"/>
+                      <a:endParaRPr lang="ko-KR" altLang="en-US"/>
+                    </a:p>
+                  </a:txBody>
+                  <a:tcPr/>
+                </a:tc>
+                <a:tc hMerge="1">
+                  <a:txBody>
+                    <a:bodyPr/>
+                    <a:lstStyle/>
+                    <a:p>
+                      <a:pPr latinLnBrk="1"/>
+                      <a:endParaRPr lang="ko-KR" altLang="en-US"/>
+                    </a:p>
+                  </a:txBody>
+                  <a:tcPr/>
+                </a:tc>
+                <a:tc hMerge="1">
+                  <a:txBody>
+                    <a:bodyPr/>
+                    <a:lstStyle/>
+                    <a:p>
+                      <a:pPr latinLnBrk="1"/>
+                      <a:endParaRPr lang="ko-KR" altLang="en-US"/>
+                    </a:p>
+                  </a:txBody>
+                  <a:tcPr/>
+                </a:tc>
+                <a:tc hMerge="1">
+                  <a:txBody>
+                    <a:bodyPr/>
+                    <a:lstStyle/>
+                    <a:p>
+                      <a:pPr latinLnBrk="1"/>
+                      <a:endParaRPr lang="ko-KR" altLang="en-US"/>
+                    </a:p>
+                  </a:txBody>
+                  <a:tcPr/>
+                </a:tc>
+                <a:tc hMerge="1">
+                  <a:txBody>
+                    <a:bodyPr/>
+                    <a:lstStyle/>
+                    <a:p>
+                      <a:pPr latinLnBrk="1"/>
+                      <a:endParaRPr lang="ko-KR" altLang="en-US"/>
+                    </a:p>
+                  </a:txBody>
+                  <a:tcPr/>
+                </a:tc>
+                <a:tc hMerge="1">
+                  <a:txBody>
+                    <a:bodyPr/>
+                    <a:lstStyle/>
+                    <a:p>
+                      <a:pPr latinLnBrk="1"/>
+                      <a:endParaRPr lang="ko-KR" altLang="en-US"/>
+                    </a:p>
+                  </a:txBody>
+                  <a:tcPr/>
+                </a:tc>
+                <a:tc hMerge="1">
+                  <a:txBody>
+                    <a:bodyPr/>
+                    <a:lstStyle/>
+                    <a:p>
+                      <a:pPr latinLnBrk="1"/>
+                      <a:endParaRPr lang="ko-KR" altLang="en-US"/>
+                    </a:p>
+                  </a:txBody>
+                  <a:tcPr/>
+                </a:tc>
+                <a:tc hMerge="1">
+                  <a:txBody>
+                    <a:bodyPr/>
+                    <a:lstStyle/>
+                    <a:p>
+                      <a:pPr latinLnBrk="1"/>
+                      <a:endParaRPr lang="ko-KR" altLang="en-US"/>
+                    </a:p>
+                  </a:txBody>
+                  <a:tcPr/>
+                </a:tc>
+                <a:extLst>
+                  <a:ext uri="{0D108BD9-81ED-4DB2-BD59-A6C34878D82A}">
+                    <a16:rowId xmlns:a16="http://schemas.microsoft.com/office/drawing/2014/main" val="2519497509"/>
+                  </a:ext>
+                </a:extLst>
+              </a:tr>
+              <a:tr h="592380">
+                <a:tc>
+                  <a:txBody>
+                    <a:bodyPr/>
+                    <a:lstStyle/>
+                    <a:p>
+                      <a:pPr latinLnBrk="1"/>
+                      <a:r>
+                        <a:rPr lang="ko-KR" altLang="en-US"/>
+                        <a:t>헤더길이</a:t>
+                      </a:r>
+                    </a:p>
+                  </a:txBody>
+                  <a:tcPr/>
+                </a:tc>
+                <a:tc>
+                  <a:txBody>
+                    <a:bodyPr/>
+                    <a:lstStyle/>
+                    <a:p>
+                      <a:pPr latinLnBrk="1"/>
+                      <a:r>
+                        <a:rPr lang="ko-KR" altLang="en-US"/>
+                        <a:t>안씀</a:t>
+                      </a:r>
+                    </a:p>
+                  </a:txBody>
+                  <a:tcPr/>
+                </a:tc>
+                <a:tc>
+                  <a:txBody>
+                    <a:bodyPr/>
+                    <a:lstStyle/>
+                    <a:p>
+                      <a:pPr latinLnBrk="1"/>
+                      <a:endParaRPr lang="ko-KR" altLang="en-US"/>
+                    </a:p>
+                  </a:txBody>
+                  <a:tcPr/>
+                </a:tc>
+                <a:tc>
+                  <a:txBody>
+                    <a:bodyPr/>
+                    <a:lstStyle/>
+                    <a:p>
+                      <a:pPr latinLnBrk="1"/>
+                      <a:endParaRPr lang="ko-KR" altLang="en-US"/>
+                    </a:p>
+                  </a:txBody>
+                  <a:tcPr/>
+                </a:tc>
+                <a:tc>
+                  <a:txBody>
+                    <a:bodyPr/>
+                    <a:lstStyle/>
+                    <a:p>
+                      <a:pPr latinLnBrk="1"/>
+                      <a:endParaRPr lang="ko-KR" altLang="en-US"/>
+                    </a:p>
+                  </a:txBody>
+                  <a:tcPr/>
+                </a:tc>
+                <a:tc>
+                  <a:txBody>
+                    <a:bodyPr/>
+                    <a:lstStyle/>
+                    <a:p>
+                      <a:pPr latinLnBrk="1"/>
+                      <a:r>
+                        <a:rPr lang="en-US" altLang="ko-KR"/>
+                        <a:t>ACK</a:t>
+                      </a:r>
+                      <a:endParaRPr lang="ko-KR" altLang="en-US"/>
+                    </a:p>
+                  </a:txBody>
+                  <a:tcPr/>
+                </a:tc>
+                <a:tc>
+                  <a:txBody>
+                    <a:bodyPr/>
+                    <a:lstStyle/>
+                    <a:p>
+                      <a:pPr latinLnBrk="1"/>
+                      <a:endParaRPr lang="ko-KR" altLang="en-US"/>
+                    </a:p>
+                  </a:txBody>
+                  <a:tcPr/>
+                </a:tc>
+                <a:tc>
+                  <a:txBody>
+                    <a:bodyPr/>
+                    <a:lstStyle/>
+                    <a:p>
+                      <a:pPr latinLnBrk="1"/>
+                      <a:r>
+                        <a:rPr lang="en-US" altLang="ko-KR"/>
+                        <a:t>RST</a:t>
+                      </a:r>
+                      <a:endParaRPr lang="ko-KR" altLang="en-US"/>
+                    </a:p>
+                  </a:txBody>
+                  <a:tcPr/>
+                </a:tc>
+                <a:tc>
+                  <a:txBody>
+                    <a:bodyPr/>
+                    <a:lstStyle/>
+                    <a:p>
+                      <a:pPr latinLnBrk="1"/>
+                      <a:r>
+                        <a:rPr lang="en-US" altLang="ko-KR"/>
+                        <a:t>SYN</a:t>
+                      </a:r>
+                      <a:endParaRPr lang="ko-KR" altLang="en-US"/>
+                    </a:p>
+                  </a:txBody>
+                  <a:tcPr/>
+                </a:tc>
+                <a:tc>
+                  <a:txBody>
+                    <a:bodyPr/>
+                    <a:lstStyle/>
+                    <a:p>
+                      <a:pPr latinLnBrk="1"/>
+                      <a:r>
+                        <a:rPr lang="en-US" altLang="ko-KR"/>
+                        <a:t>FIN</a:t>
+                      </a:r>
+                      <a:endParaRPr lang="ko-KR" altLang="en-US"/>
+                    </a:p>
+                  </a:txBody>
+                  <a:tcPr/>
+                </a:tc>
+                <a:tc>
+                  <a:txBody>
+                    <a:bodyPr/>
+                    <a:lstStyle/>
+                    <a:p>
+                      <a:pPr latinLnBrk="1"/>
+                      <a:r>
+                        <a:rPr lang="ko-KR" altLang="en-US"/>
+                        <a:t>수신 윈도우</a:t>
+                      </a:r>
+                      <a:r>
+                        <a:rPr lang="en-US" altLang="ko-KR"/>
+                        <a:t>(</a:t>
+                      </a:r>
+                      <a:r>
+                        <a:rPr lang="ko-KR" altLang="en-US"/>
+                        <a:t>흐름제어에 사용</a:t>
+                      </a:r>
+                      <a:r>
+                        <a:rPr lang="en-US" altLang="ko-KR"/>
+                        <a:t>)</a:t>
+                      </a:r>
+                      <a:endParaRPr lang="ko-KR" altLang="en-US"/>
+                    </a:p>
+                  </a:txBody>
+                  <a:tcPr/>
+                </a:tc>
+                <a:extLst>
+                  <a:ext uri="{0D108BD9-81ED-4DB2-BD59-A6C34878D82A}">
+                    <a16:rowId xmlns:a16="http://schemas.microsoft.com/office/drawing/2014/main" val="3651730787"/>
+                  </a:ext>
+                </a:extLst>
+              </a:tr>
+              <a:tr h="343204">
+                <a:tc gridSpan="10">
+                  <a:txBody>
+                    <a:bodyPr/>
+                    <a:lstStyle/>
+                    <a:p>
+                      <a:pPr latinLnBrk="1"/>
+                      <a:r>
+                        <a:rPr lang="ko-KR" altLang="en-US"/>
+                        <a:t>체크섬</a:t>
+                      </a:r>
+                    </a:p>
+                  </a:txBody>
+                  <a:tcPr/>
+                </a:tc>
+                <a:tc hMerge="1">
+                  <a:txBody>
+                    <a:bodyPr/>
+                    <a:lstStyle/>
+                    <a:p>
+                      <a:pPr latinLnBrk="1"/>
+                      <a:endParaRPr lang="ko-KR" altLang="en-US"/>
+                    </a:p>
+                  </a:txBody>
+                  <a:tcPr/>
+                </a:tc>
+                <a:tc hMerge="1">
+                  <a:txBody>
+                    <a:bodyPr/>
+                    <a:lstStyle/>
+                    <a:p>
+                      <a:pPr latinLnBrk="1"/>
+                      <a:endParaRPr lang="ko-KR" altLang="en-US"/>
+                    </a:p>
+                  </a:txBody>
+                  <a:tcPr/>
+                </a:tc>
+                <a:tc hMerge="1">
+                  <a:txBody>
+                    <a:bodyPr/>
+                    <a:lstStyle/>
+                    <a:p>
+                      <a:pPr latinLnBrk="1"/>
+                      <a:endParaRPr lang="ko-KR" altLang="en-US"/>
+                    </a:p>
+                  </a:txBody>
+                  <a:tcPr/>
+                </a:tc>
+                <a:tc hMerge="1">
+                  <a:txBody>
+                    <a:bodyPr/>
+                    <a:lstStyle/>
+                    <a:p>
+                      <a:pPr latinLnBrk="1"/>
+                      <a:endParaRPr lang="ko-KR" altLang="en-US"/>
+                    </a:p>
+                  </a:txBody>
+                  <a:tcPr/>
+                </a:tc>
+                <a:tc hMerge="1">
+                  <a:txBody>
+                    <a:bodyPr/>
+                    <a:lstStyle/>
+                    <a:p>
+                      <a:pPr latinLnBrk="1"/>
+                      <a:endParaRPr lang="ko-KR" altLang="en-US"/>
+                    </a:p>
+                  </a:txBody>
+                  <a:tcPr/>
+                </a:tc>
+                <a:tc hMerge="1">
+                  <a:txBody>
+                    <a:bodyPr/>
+                    <a:lstStyle/>
+                    <a:p>
+                      <a:pPr latinLnBrk="1"/>
+                      <a:endParaRPr lang="ko-KR" altLang="en-US"/>
+                    </a:p>
+                  </a:txBody>
+                  <a:tcPr/>
+                </a:tc>
+                <a:tc hMerge="1">
+                  <a:txBody>
+                    <a:bodyPr/>
+                    <a:lstStyle/>
+                    <a:p>
+                      <a:pPr latinLnBrk="1"/>
+                      <a:endParaRPr lang="ko-KR" altLang="en-US"/>
+                    </a:p>
+                  </a:txBody>
+                  <a:tcPr/>
+                </a:tc>
+                <a:tc hMerge="1">
+                  <a:txBody>
+                    <a:bodyPr/>
+                    <a:lstStyle/>
+                    <a:p>
+                      <a:pPr latinLnBrk="1"/>
+                      <a:endParaRPr lang="ko-KR" altLang="en-US"/>
+                    </a:p>
+                  </a:txBody>
+                  <a:tcPr/>
+                </a:tc>
+                <a:tc hMerge="1">
+                  <a:txBody>
+                    <a:bodyPr/>
+                    <a:lstStyle/>
+                    <a:p>
+                      <a:pPr latinLnBrk="1"/>
+                      <a:endParaRPr lang="ko-KR" altLang="en-US"/>
+                    </a:p>
+                  </a:txBody>
+                  <a:tcPr/>
+                </a:tc>
+                <a:tc>
+                  <a:txBody>
+                    <a:bodyPr/>
+                    <a:lstStyle/>
+                    <a:p>
+                      <a:pPr latinLnBrk="1"/>
+                      <a:endParaRPr lang="ko-KR" altLang="en-US"/>
+                    </a:p>
+                  </a:txBody>
+                  <a:tcPr/>
+                </a:tc>
+                <a:extLst>
+                  <a:ext uri="{0D108BD9-81ED-4DB2-BD59-A6C34878D82A}">
+                    <a16:rowId xmlns:a16="http://schemas.microsoft.com/office/drawing/2014/main" val="1366784340"/>
+                  </a:ext>
+                </a:extLst>
+              </a:tr>
+              <a:tr h="343204">
+                <a:tc gridSpan="11">
+                  <a:txBody>
+                    <a:bodyPr/>
+                    <a:lstStyle/>
+                    <a:p>
+                      <a:pPr latinLnBrk="1"/>
+                      <a:r>
+                        <a:rPr lang="ko-KR" altLang="en-US"/>
+                        <a:t>옵션</a:t>
+                      </a:r>
+                    </a:p>
+                  </a:txBody>
+                  <a:tcPr/>
+                </a:tc>
+                <a:tc hMerge="1">
+                  <a:txBody>
+                    <a:bodyPr/>
+                    <a:lstStyle/>
+                    <a:p>
+                      <a:pPr latinLnBrk="1"/>
+                      <a:endParaRPr lang="ko-KR" altLang="en-US"/>
+                    </a:p>
+                  </a:txBody>
+                  <a:tcPr/>
+                </a:tc>
+                <a:tc hMerge="1">
+                  <a:txBody>
+                    <a:bodyPr/>
+                    <a:lstStyle/>
+                    <a:p>
+                      <a:pPr latinLnBrk="1"/>
+                      <a:endParaRPr lang="ko-KR" altLang="en-US"/>
+                    </a:p>
+                  </a:txBody>
+                  <a:tcPr/>
+                </a:tc>
+                <a:tc hMerge="1">
+                  <a:txBody>
+                    <a:bodyPr/>
+                    <a:lstStyle/>
+                    <a:p>
+                      <a:pPr latinLnBrk="1"/>
+                      <a:endParaRPr lang="ko-KR" altLang="en-US"/>
+                    </a:p>
+                  </a:txBody>
+                  <a:tcPr/>
+                </a:tc>
+                <a:tc hMerge="1">
+                  <a:txBody>
+                    <a:bodyPr/>
+                    <a:lstStyle/>
+                    <a:p>
+                      <a:pPr latinLnBrk="1"/>
+                      <a:endParaRPr lang="ko-KR" altLang="en-US"/>
+                    </a:p>
+                  </a:txBody>
+                  <a:tcPr/>
+                </a:tc>
+                <a:tc hMerge="1">
+                  <a:txBody>
+                    <a:bodyPr/>
+                    <a:lstStyle/>
+                    <a:p>
+                      <a:pPr latinLnBrk="1"/>
+                      <a:endParaRPr lang="ko-KR" altLang="en-US"/>
+                    </a:p>
+                  </a:txBody>
+                  <a:tcPr/>
+                </a:tc>
+                <a:tc hMerge="1">
+                  <a:txBody>
+                    <a:bodyPr/>
+                    <a:lstStyle/>
+                    <a:p>
+                      <a:pPr latinLnBrk="1"/>
+                      <a:endParaRPr lang="ko-KR" altLang="en-US"/>
+                    </a:p>
+                  </a:txBody>
+                  <a:tcPr/>
+                </a:tc>
+                <a:tc hMerge="1">
+                  <a:txBody>
+                    <a:bodyPr/>
+                    <a:lstStyle/>
+                    <a:p>
+                      <a:pPr latinLnBrk="1"/>
+                      <a:endParaRPr lang="ko-KR" altLang="en-US"/>
+                    </a:p>
+                  </a:txBody>
+                  <a:tcPr/>
+                </a:tc>
+                <a:tc hMerge="1">
+                  <a:txBody>
+                    <a:bodyPr/>
+                    <a:lstStyle/>
+                    <a:p>
+                      <a:pPr latinLnBrk="1"/>
+                      <a:endParaRPr lang="ko-KR" altLang="en-US"/>
+                    </a:p>
+                  </a:txBody>
+                  <a:tcPr/>
+                </a:tc>
+                <a:tc hMerge="1">
+                  <a:txBody>
+                    <a:bodyPr/>
+                    <a:lstStyle/>
+                    <a:p>
+                      <a:pPr latinLnBrk="1"/>
+                      <a:endParaRPr lang="ko-KR" altLang="en-US"/>
+                    </a:p>
+                  </a:txBody>
+                  <a:tcPr/>
+                </a:tc>
+                <a:tc hMerge="1">
+                  <a:txBody>
+                    <a:bodyPr/>
+                    <a:lstStyle/>
+                    <a:p>
+                      <a:pPr latinLnBrk="1"/>
+                      <a:endParaRPr lang="ko-KR" altLang="en-US"/>
+                    </a:p>
+                  </a:txBody>
+                  <a:tcPr/>
+                </a:tc>
+                <a:extLst>
+                  <a:ext uri="{0D108BD9-81ED-4DB2-BD59-A6C34878D82A}">
+                    <a16:rowId xmlns:a16="http://schemas.microsoft.com/office/drawing/2014/main" val="474599436"/>
+                  </a:ext>
+                </a:extLst>
+              </a:tr>
+              <a:tr h="343204">
+                <a:tc gridSpan="11">
+                  <a:txBody>
+                    <a:bodyPr/>
+                    <a:lstStyle/>
+                    <a:p>
+                      <a:pPr latinLnBrk="1"/>
+                      <a:r>
+                        <a:rPr lang="ko-KR" altLang="en-US"/>
+                        <a:t>데이터</a:t>
+                      </a:r>
+                    </a:p>
+                  </a:txBody>
+                  <a:tcPr/>
+                </a:tc>
+                <a:tc hMerge="1">
+                  <a:txBody>
+                    <a:bodyPr/>
+                    <a:lstStyle/>
+                    <a:p>
+                      <a:pPr latinLnBrk="1"/>
+                      <a:endParaRPr lang="ko-KR" altLang="en-US"/>
+                    </a:p>
+                  </a:txBody>
+                  <a:tcPr/>
+                </a:tc>
+                <a:tc hMerge="1">
+                  <a:txBody>
+                    <a:bodyPr/>
+                    <a:lstStyle/>
+                    <a:p>
+                      <a:pPr latinLnBrk="1"/>
+                      <a:endParaRPr lang="ko-KR" altLang="en-US"/>
+                    </a:p>
+                  </a:txBody>
+                  <a:tcPr/>
+                </a:tc>
+                <a:tc hMerge="1">
+                  <a:txBody>
+                    <a:bodyPr/>
+                    <a:lstStyle/>
+                    <a:p>
+                      <a:pPr latinLnBrk="1"/>
+                      <a:endParaRPr lang="ko-KR" altLang="en-US"/>
+                    </a:p>
+                  </a:txBody>
+                  <a:tcPr/>
+                </a:tc>
+                <a:tc hMerge="1">
+                  <a:txBody>
+                    <a:bodyPr/>
+                    <a:lstStyle/>
+                    <a:p>
+                      <a:pPr latinLnBrk="1"/>
+                      <a:endParaRPr lang="ko-KR" altLang="en-US"/>
+                    </a:p>
+                  </a:txBody>
+                  <a:tcPr/>
+                </a:tc>
+                <a:tc hMerge="1">
+                  <a:txBody>
+                    <a:bodyPr/>
+                    <a:lstStyle/>
+                    <a:p>
+                      <a:pPr latinLnBrk="1"/>
+                      <a:endParaRPr lang="ko-KR" altLang="en-US"/>
+                    </a:p>
+                  </a:txBody>
+                  <a:tcPr/>
+                </a:tc>
+                <a:tc hMerge="1">
+                  <a:txBody>
+                    <a:bodyPr/>
+                    <a:lstStyle/>
+                    <a:p>
+                      <a:pPr latinLnBrk="1"/>
+                      <a:endParaRPr lang="ko-KR" altLang="en-US"/>
+                    </a:p>
+                  </a:txBody>
+                  <a:tcPr/>
+                </a:tc>
+                <a:tc hMerge="1">
+                  <a:txBody>
+                    <a:bodyPr/>
+                    <a:lstStyle/>
+                    <a:p>
+                      <a:pPr latinLnBrk="1"/>
+                      <a:endParaRPr lang="ko-KR" altLang="en-US"/>
+                    </a:p>
+                  </a:txBody>
+                  <a:tcPr/>
+                </a:tc>
+                <a:tc hMerge="1">
+                  <a:txBody>
+                    <a:bodyPr/>
+                    <a:lstStyle/>
+                    <a:p>
+                      <a:pPr latinLnBrk="1"/>
+                      <a:endParaRPr lang="ko-KR" altLang="en-US"/>
+                    </a:p>
+                  </a:txBody>
+                  <a:tcPr/>
+                </a:tc>
+                <a:tc hMerge="1">
+                  <a:txBody>
+                    <a:bodyPr/>
+                    <a:lstStyle/>
+                    <a:p>
+                      <a:pPr latinLnBrk="1"/>
+                      <a:endParaRPr lang="ko-KR" altLang="en-US"/>
+                    </a:p>
+                  </a:txBody>
+                  <a:tcPr/>
+                </a:tc>
+                <a:tc hMerge="1">
+                  <a:txBody>
+                    <a:bodyPr/>
+                    <a:lstStyle/>
+                    <a:p>
+                      <a:pPr latinLnBrk="1"/>
+                      <a:endParaRPr lang="ko-KR" altLang="en-US"/>
+                    </a:p>
+                  </a:txBody>
+                  <a:tcPr/>
+                </a:tc>
+                <a:extLst>
+                  <a:ext uri="{0D108BD9-81ED-4DB2-BD59-A6C34878D82A}">
+                    <a16:rowId xmlns:a16="http://schemas.microsoft.com/office/drawing/2014/main" val="2560421456"/>
+                  </a:ext>
+                </a:extLst>
+              </a:tr>
+            </a:tbl>
+          </a:graphicData>
+        </a:graphic>
+      </p:graphicFrame>
+      <p:sp>
+        <p:nvSpPr>
+          <p:cNvPr id="5" name="왼쪽 중괄호 4">
+            <a:extLst>
+              <a:ext uri="{FF2B5EF4-FFF2-40B4-BE49-F238E27FC236}">
+                <a16:creationId xmlns:a16="http://schemas.microsoft.com/office/drawing/2014/main" id="{A24C0225-87A6-41BC-88CB-7266638A42B4}"/>
+              </a:ext>
+            </a:extLst>
+          </p:cNvPr>
+          <p:cNvSpPr/>
+          <p:nvPr/>
+        </p:nvSpPr>
+        <p:spPr>
+          <a:xfrm>
+            <a:off x="1237673" y="2493047"/>
+            <a:ext cx="443345" cy="2697789"/>
+          </a:xfrm>
+          <a:prstGeom prst="leftBrace">
+            <a:avLst/>
+          </a:prstGeom>
+        </p:spPr>
+        <p:style>
+          <a:lnRef idx="1">
+            <a:schemeClr val="accent1"/>
+          </a:lnRef>
+          <a:fillRef idx="0">
+            <a:schemeClr val="accent1"/>
+          </a:fillRef>
+          <a:effectRef idx="0">
+            <a:schemeClr val="accent1"/>
+          </a:effectRef>
+          <a:fontRef idx="minor">
+            <a:schemeClr val="tx1"/>
+          </a:fontRef>
+        </p:style>
+        <p:txBody>
+          <a:bodyPr rtlCol="0" anchor="ctr"/>
+          <a:lstStyle/>
+          <a:p>
+            <a:pPr algn="ctr"/>
+            <a:endParaRPr lang="ko-KR" altLang="en-US"/>
+          </a:p>
+        </p:txBody>
+      </p:sp>
+      <p:sp>
+        <p:nvSpPr>
+          <p:cNvPr id="6" name="TextBox 5">
+            <a:extLst>
+              <a:ext uri="{FF2B5EF4-FFF2-40B4-BE49-F238E27FC236}">
+                <a16:creationId xmlns:a16="http://schemas.microsoft.com/office/drawing/2014/main" id="{44950E59-ABB0-4093-B748-D7D1D8C20E2A}"/>
+              </a:ext>
+            </a:extLst>
+          </p:cNvPr>
+          <p:cNvSpPr txBox="1"/>
+          <p:nvPr/>
+        </p:nvSpPr>
+        <p:spPr>
+          <a:xfrm>
+            <a:off x="258619" y="3583709"/>
+            <a:ext cx="905163" cy="369332"/>
+          </a:xfrm>
+          <a:prstGeom prst="rect">
+            <a:avLst/>
+          </a:prstGeom>
+          <a:noFill/>
+        </p:spPr>
+        <p:txBody>
+          <a:bodyPr wrap="square" rtlCol="0">
+            <a:spAutoFit/>
+          </a:bodyPr>
+          <a:lstStyle/>
+          <a:p>
+            <a:r>
+              <a:rPr lang="en-US" altLang="ko-KR"/>
+              <a:t>header</a:t>
+            </a:r>
+            <a:endParaRPr lang="ko-KR" altLang="en-US"/>
+          </a:p>
+        </p:txBody>
+      </p:sp>
+      <p:sp>
+        <p:nvSpPr>
+          <p:cNvPr id="7" name="왼쪽 중괄호 6">
+            <a:extLst>
+              <a:ext uri="{FF2B5EF4-FFF2-40B4-BE49-F238E27FC236}">
+                <a16:creationId xmlns:a16="http://schemas.microsoft.com/office/drawing/2014/main" id="{7E95A464-B71C-47B7-AD1C-7B3560850BF0}"/>
+              </a:ext>
+            </a:extLst>
+          </p:cNvPr>
+          <p:cNvSpPr/>
+          <p:nvPr/>
+        </p:nvSpPr>
+        <p:spPr>
+          <a:xfrm rot="5400000">
+            <a:off x="6031345" y="-2937164"/>
+            <a:ext cx="886691" cy="9587348"/>
+          </a:xfrm>
+          <a:prstGeom prst="leftBrace">
+            <a:avLst/>
+          </a:prstGeom>
+        </p:spPr>
+        <p:style>
+          <a:lnRef idx="1">
+            <a:schemeClr val="accent1"/>
+          </a:lnRef>
+          <a:fillRef idx="0">
+            <a:schemeClr val="accent1"/>
+          </a:fillRef>
+          <a:effectRef idx="0">
+            <a:schemeClr val="accent1"/>
+          </a:effectRef>
+          <a:fontRef idx="minor">
+            <a:schemeClr val="tx1"/>
+          </a:fontRef>
+        </p:style>
+        <p:txBody>
+          <a:bodyPr rtlCol="0" anchor="ctr"/>
+          <a:lstStyle/>
+          <a:p>
+            <a:pPr algn="ctr"/>
+            <a:endParaRPr lang="ko-KR" altLang="en-US"/>
+          </a:p>
+        </p:txBody>
+      </p:sp>
+      <p:sp>
+        <p:nvSpPr>
+          <p:cNvPr id="8" name="TextBox 7">
+            <a:extLst>
+              <a:ext uri="{FF2B5EF4-FFF2-40B4-BE49-F238E27FC236}">
+                <a16:creationId xmlns:a16="http://schemas.microsoft.com/office/drawing/2014/main" id="{05C9B1D4-CAB6-4266-9067-017EBF230B87}"/>
+              </a:ext>
+            </a:extLst>
+          </p:cNvPr>
+          <p:cNvSpPr txBox="1"/>
+          <p:nvPr/>
+        </p:nvSpPr>
+        <p:spPr>
+          <a:xfrm>
+            <a:off x="5938982" y="895927"/>
+            <a:ext cx="1006763" cy="369332"/>
+          </a:xfrm>
+          <a:prstGeom prst="rect">
+            <a:avLst/>
+          </a:prstGeom>
+          <a:noFill/>
+        </p:spPr>
+        <p:txBody>
+          <a:bodyPr wrap="square" rtlCol="0">
+            <a:spAutoFit/>
+          </a:bodyPr>
+          <a:lstStyle/>
+          <a:p>
+            <a:r>
+              <a:rPr lang="en-US" altLang="ko-KR"/>
+              <a:t>32bit</a:t>
+            </a:r>
+            <a:endParaRPr lang="ko-KR" altLang="en-US"/>
+          </a:p>
+        </p:txBody>
+      </p:sp>
+    </p:spTree>
+    <p:extLst>
+      <p:ext uri="{BB962C8B-B14F-4D97-AF65-F5344CB8AC3E}">
+        <p14:creationId xmlns:p14="http://schemas.microsoft.com/office/powerpoint/2010/main" val="3367236133"/>
+      </p:ext>
+    </p:extLst>
+  </p:cSld>
+  <p:clrMapOvr>
+    <a:masterClrMapping/>
+  </p:clrMapOvr>
+</p:sld>
+</file>
+
+<file path=ppt/slides/slide4.xml><?xml version="1.0" encoding="utf-8"?>
+<p:sld xmlns:a="http://schemas.openxmlformats.org/drawingml/2006/main" xmlns:r="http://schemas.openxmlformats.org/officeDocument/2006/relationships" xmlns:p="http://schemas.openxmlformats.org/presentationml/2006/main">
+  <p:cSld>
+    <p:spTree>
+      <p:nvGrpSpPr>
+        <p:cNvPr id="1" name=""/>
+        <p:cNvGrpSpPr/>
+        <p:nvPr/>
+      </p:nvGrpSpPr>
+      <p:grpSpPr>
+        <a:xfrm>
+          <a:off x="0" y="0"/>
+          <a:ext cx="0" cy="0"/>
+          <a:chOff x="0" y="0"/>
+          <a:chExt cx="0" cy="0"/>
+        </a:xfrm>
+      </p:grpSpPr>
+      <p:graphicFrame>
+        <p:nvGraphicFramePr>
+          <p:cNvPr id="4" name="표 4">
+            <a:extLst>
+              <a:ext uri="{FF2B5EF4-FFF2-40B4-BE49-F238E27FC236}">
+                <a16:creationId xmlns:a16="http://schemas.microsoft.com/office/drawing/2014/main" id="{EFFFF6AF-3D40-4626-BF50-754BC170F45E}"/>
+              </a:ext>
+            </a:extLst>
+          </p:cNvPr>
+          <p:cNvGraphicFramePr>
+            <a:graphicFrameLocks noGrp="1"/>
+          </p:cNvGraphicFramePr>
+          <p:nvPr>
+            <p:extLst>
+              <p:ext uri="{D42A27DB-BD31-4B8C-83A1-F6EECF244321}">
+                <p14:modId xmlns:p14="http://schemas.microsoft.com/office/powerpoint/2010/main" val="1133328490"/>
+              </p:ext>
+            </p:extLst>
+          </p:nvPr>
+        </p:nvGraphicFramePr>
+        <p:xfrm>
+          <a:off x="1200726" y="2317558"/>
+          <a:ext cx="9698183" cy="370840"/>
+        </p:xfrm>
+        <a:graphic>
+          <a:graphicData uri="http://schemas.openxmlformats.org/drawingml/2006/table">
+            <a:tbl>
+              <a:tblPr firstRow="1" bandRow="1">
+                <a:tableStyleId>{5C22544A-7EE6-4342-B048-85BDC9FD1C3A}</a:tableStyleId>
+              </a:tblPr>
+              <a:tblGrid>
+                <a:gridCol w="881653">
+                  <a:extLst>
+                    <a:ext uri="{9D8B030D-6E8A-4147-A177-3AD203B41FA5}">
+                      <a16:colId xmlns:a16="http://schemas.microsoft.com/office/drawing/2014/main" val="892612407"/>
+                    </a:ext>
+                  </a:extLst>
+                </a:gridCol>
+                <a:gridCol w="881653">
+                  <a:extLst>
+                    <a:ext uri="{9D8B030D-6E8A-4147-A177-3AD203B41FA5}">
+                      <a16:colId xmlns:a16="http://schemas.microsoft.com/office/drawing/2014/main" val="175008823"/>
+                    </a:ext>
+                  </a:extLst>
+                </a:gridCol>
+                <a:gridCol w="881653">
+                  <a:extLst>
+                    <a:ext uri="{9D8B030D-6E8A-4147-A177-3AD203B41FA5}">
+                      <a16:colId xmlns:a16="http://schemas.microsoft.com/office/drawing/2014/main" val="1035760199"/>
+                    </a:ext>
+                  </a:extLst>
+                </a:gridCol>
+                <a:gridCol w="881653">
+                  <a:extLst>
+                    <a:ext uri="{9D8B030D-6E8A-4147-A177-3AD203B41FA5}">
+                      <a16:colId xmlns:a16="http://schemas.microsoft.com/office/drawing/2014/main" val="1335092743"/>
+                    </a:ext>
+                  </a:extLst>
+                </a:gridCol>
+                <a:gridCol w="881653">
+                  <a:extLst>
+                    <a:ext uri="{9D8B030D-6E8A-4147-A177-3AD203B41FA5}">
+                      <a16:colId xmlns:a16="http://schemas.microsoft.com/office/drawing/2014/main" val="2963180245"/>
+                    </a:ext>
+                  </a:extLst>
+                </a:gridCol>
+                <a:gridCol w="881653">
+                  <a:extLst>
+                    <a:ext uri="{9D8B030D-6E8A-4147-A177-3AD203B41FA5}">
+                      <a16:colId xmlns:a16="http://schemas.microsoft.com/office/drawing/2014/main" val="1562429169"/>
+                    </a:ext>
+                  </a:extLst>
+                </a:gridCol>
+                <a:gridCol w="881653">
+                  <a:extLst>
+                    <a:ext uri="{9D8B030D-6E8A-4147-A177-3AD203B41FA5}">
+                      <a16:colId xmlns:a16="http://schemas.microsoft.com/office/drawing/2014/main" val="3476346954"/>
+                    </a:ext>
+                  </a:extLst>
+                </a:gridCol>
+                <a:gridCol w="881653">
+                  <a:extLst>
+                    <a:ext uri="{9D8B030D-6E8A-4147-A177-3AD203B41FA5}">
+                      <a16:colId xmlns:a16="http://schemas.microsoft.com/office/drawing/2014/main" val="1141690999"/>
+                    </a:ext>
+                  </a:extLst>
+                </a:gridCol>
+                <a:gridCol w="881653">
+                  <a:extLst>
+                    <a:ext uri="{9D8B030D-6E8A-4147-A177-3AD203B41FA5}">
+                      <a16:colId xmlns:a16="http://schemas.microsoft.com/office/drawing/2014/main" val="2757986991"/>
+                    </a:ext>
+                  </a:extLst>
+                </a:gridCol>
+                <a:gridCol w="1763306">
+                  <a:extLst>
+                    <a:ext uri="{9D8B030D-6E8A-4147-A177-3AD203B41FA5}">
+                      <a16:colId xmlns:a16="http://schemas.microsoft.com/office/drawing/2014/main" val="1704545200"/>
+                    </a:ext>
+                  </a:extLst>
+                </a:gridCol>
+              </a:tblGrid>
+              <a:tr h="370840">
+                <a:tc>
+                  <a:txBody>
+                    <a:bodyPr/>
+                    <a:lstStyle/>
+                    <a:p>
+                      <a:pPr latinLnBrk="1"/>
+                      <a:r>
+                        <a:rPr lang="en-US" altLang="ko-KR"/>
+                        <a:t>0</a:t>
+                      </a:r>
+                      <a:endParaRPr lang="ko-KR" altLang="en-US"/>
+                    </a:p>
+                  </a:txBody>
+                  <a:tcPr/>
+                </a:tc>
+                <a:tc>
+                  <a:txBody>
+                    <a:bodyPr/>
+                    <a:lstStyle/>
+                    <a:p>
+                      <a:pPr latinLnBrk="1"/>
+                      <a:r>
+                        <a:rPr lang="en-US" altLang="ko-KR"/>
+                        <a:t>1</a:t>
+                      </a:r>
+                      <a:endParaRPr lang="ko-KR" altLang="en-US"/>
+                    </a:p>
+                  </a:txBody>
+                  <a:tcPr/>
+                </a:tc>
+                <a:tc>
+                  <a:txBody>
+                    <a:bodyPr/>
+                    <a:lstStyle/>
+                    <a:p>
+                      <a:pPr latinLnBrk="1"/>
+                      <a:r>
+                        <a:rPr lang="en-US" altLang="ko-KR"/>
+                        <a:t>…</a:t>
+                      </a:r>
+                      <a:endParaRPr lang="ko-KR" altLang="en-US"/>
+                    </a:p>
+                  </a:txBody>
+                  <a:tcPr/>
+                </a:tc>
+                <a:tc>
+                  <a:txBody>
+                    <a:bodyPr/>
+                    <a:lstStyle/>
+                    <a:p>
+                      <a:pPr latinLnBrk="1"/>
+                      <a:r>
+                        <a:rPr lang="en-US" altLang="ko-KR"/>
+                        <a:t>999</a:t>
+                      </a:r>
+                      <a:endParaRPr lang="ko-KR" altLang="en-US"/>
+                    </a:p>
+                  </a:txBody>
+                  <a:tcPr/>
+                </a:tc>
+                <a:tc>
+                  <a:txBody>
+                    <a:bodyPr/>
+                    <a:lstStyle/>
+                    <a:p>
+                      <a:pPr latinLnBrk="1"/>
+                      <a:r>
+                        <a:rPr lang="en-US" altLang="ko-KR"/>
+                        <a:t>1,000</a:t>
+                      </a:r>
+                      <a:endParaRPr lang="ko-KR" altLang="en-US"/>
+                    </a:p>
+                  </a:txBody>
+                  <a:tcPr/>
+                </a:tc>
+                <a:tc>
+                  <a:txBody>
+                    <a:bodyPr/>
+                    <a:lstStyle/>
+                    <a:p>
+                      <a:pPr latinLnBrk="1"/>
+                      <a:r>
+                        <a:rPr lang="en-US" altLang="ko-KR"/>
+                        <a:t>1,001</a:t>
+                      </a:r>
+                      <a:endParaRPr lang="ko-KR" altLang="en-US"/>
+                    </a:p>
+                  </a:txBody>
+                  <a:tcPr/>
+                </a:tc>
+                <a:tc>
+                  <a:txBody>
+                    <a:bodyPr/>
+                    <a:lstStyle/>
+                    <a:p>
+                      <a:pPr latinLnBrk="1"/>
+                      <a:r>
+                        <a:rPr lang="en-US" altLang="ko-KR"/>
+                        <a:t>…</a:t>
+                      </a:r>
+                      <a:endParaRPr lang="ko-KR" altLang="en-US"/>
+                    </a:p>
+                  </a:txBody>
+                  <a:tcPr/>
+                </a:tc>
+                <a:tc>
+                  <a:txBody>
+                    <a:bodyPr/>
+                    <a:lstStyle/>
+                    <a:p>
+                      <a:pPr latinLnBrk="1"/>
+                      <a:r>
+                        <a:rPr lang="en-US" altLang="ko-KR"/>
+                        <a:t>1,999</a:t>
+                      </a:r>
+                      <a:endParaRPr lang="ko-KR" altLang="en-US"/>
+                    </a:p>
+                  </a:txBody>
+                  <a:tcPr/>
+                </a:tc>
+                <a:tc>
+                  <a:txBody>
+                    <a:bodyPr/>
+                    <a:lstStyle/>
+                    <a:p>
+                      <a:pPr latinLnBrk="1"/>
+                      <a:r>
+                        <a:rPr lang="en-US" altLang="ko-KR"/>
+                        <a:t>…</a:t>
+                      </a:r>
+                      <a:endParaRPr lang="ko-KR" altLang="en-US"/>
+                    </a:p>
+                  </a:txBody>
+                  <a:tcPr/>
+                </a:tc>
+                <a:tc>
+                  <a:txBody>
+                    <a:bodyPr/>
+                    <a:lstStyle/>
+                    <a:p>
+                      <a:pPr latinLnBrk="1"/>
+                      <a:r>
+                        <a:rPr lang="en-US" altLang="ko-KR"/>
+                        <a:t>499,999</a:t>
+                      </a:r>
+                      <a:endParaRPr lang="ko-KR" altLang="en-US"/>
+                    </a:p>
+                  </a:txBody>
+                  <a:tcPr/>
+                </a:tc>
+                <a:extLst>
+                  <a:ext uri="{0D108BD9-81ED-4DB2-BD59-A6C34878D82A}">
+                    <a16:rowId xmlns:a16="http://schemas.microsoft.com/office/drawing/2014/main" val="3066734571"/>
+                  </a:ext>
+                </a:extLst>
+              </a:tr>
+            </a:tbl>
+          </a:graphicData>
+        </a:graphic>
+      </p:graphicFrame>
+      <p:sp>
+        <p:nvSpPr>
+          <p:cNvPr id="5" name="왼쪽 중괄호 4">
+            <a:extLst>
+              <a:ext uri="{FF2B5EF4-FFF2-40B4-BE49-F238E27FC236}">
+                <a16:creationId xmlns:a16="http://schemas.microsoft.com/office/drawing/2014/main" id="{29D78EA6-1198-4577-85FA-3822299063B6}"/>
+              </a:ext>
+            </a:extLst>
+          </p:cNvPr>
+          <p:cNvSpPr/>
+          <p:nvPr/>
+        </p:nvSpPr>
+        <p:spPr>
+          <a:xfrm rot="5400000">
+            <a:off x="5714998" y="-3004127"/>
+            <a:ext cx="586509" cy="9615056"/>
+          </a:xfrm>
+          <a:prstGeom prst="leftBrace">
+            <a:avLst/>
+          </a:prstGeom>
+        </p:spPr>
+        <p:style>
+          <a:lnRef idx="1">
+            <a:schemeClr val="accent1"/>
+          </a:lnRef>
+          <a:fillRef idx="0">
+            <a:schemeClr val="accent1"/>
+          </a:fillRef>
+          <a:effectRef idx="0">
+            <a:schemeClr val="accent1"/>
+          </a:effectRef>
+          <a:fontRef idx="minor">
+            <a:schemeClr val="tx1"/>
+          </a:fontRef>
+        </p:style>
+        <p:txBody>
+          <a:bodyPr rtlCol="0" anchor="ctr"/>
+          <a:lstStyle/>
+          <a:p>
+            <a:pPr algn="ctr"/>
+            <a:endParaRPr lang="ko-KR" altLang="en-US"/>
+          </a:p>
+        </p:txBody>
+      </p:sp>
+      <p:sp>
+        <p:nvSpPr>
+          <p:cNvPr id="6" name="TextBox 5">
+            <a:extLst>
+              <a:ext uri="{FF2B5EF4-FFF2-40B4-BE49-F238E27FC236}">
+                <a16:creationId xmlns:a16="http://schemas.microsoft.com/office/drawing/2014/main" id="{53361998-38A2-4690-BC55-9AC94CBAE760}"/>
+              </a:ext>
+            </a:extLst>
+          </p:cNvPr>
+          <p:cNvSpPr txBox="1"/>
+          <p:nvPr/>
+        </p:nvSpPr>
+        <p:spPr>
+          <a:xfrm>
+            <a:off x="4867563" y="882643"/>
+            <a:ext cx="2456873" cy="369332"/>
+          </a:xfrm>
+          <a:prstGeom prst="rect">
+            <a:avLst/>
+          </a:prstGeom>
+          <a:noFill/>
+        </p:spPr>
+        <p:txBody>
+          <a:bodyPr wrap="square" rtlCol="0">
+            <a:spAutoFit/>
+          </a:bodyPr>
+          <a:lstStyle/>
+          <a:p>
+            <a:r>
+              <a:rPr lang="ko-KR" altLang="en-US"/>
+              <a:t>메세지</a:t>
+            </a:r>
+            <a:r>
+              <a:rPr lang="en-US" altLang="ko-KR"/>
+              <a:t>(500,000 Byte)</a:t>
+            </a:r>
+            <a:endParaRPr lang="ko-KR" altLang="en-US"/>
+          </a:p>
+        </p:txBody>
+      </p:sp>
+      <p:sp>
+        <p:nvSpPr>
+          <p:cNvPr id="7" name="오른쪽 중괄호 6">
+            <a:extLst>
+              <a:ext uri="{FF2B5EF4-FFF2-40B4-BE49-F238E27FC236}">
+                <a16:creationId xmlns:a16="http://schemas.microsoft.com/office/drawing/2014/main" id="{82C2FE49-2CC4-4463-AAFA-18FC7C88495F}"/>
+              </a:ext>
+            </a:extLst>
+          </p:cNvPr>
+          <p:cNvSpPr/>
+          <p:nvPr/>
+        </p:nvSpPr>
+        <p:spPr>
+          <a:xfrm rot="5400000">
+            <a:off x="2847032" y="1262997"/>
+            <a:ext cx="244917" cy="3537529"/>
+          </a:xfrm>
+          <a:prstGeom prst="rightBrace">
+            <a:avLst/>
+          </a:prstGeom>
+        </p:spPr>
+        <p:style>
+          <a:lnRef idx="1">
+            <a:schemeClr val="accent1"/>
+          </a:lnRef>
+          <a:fillRef idx="0">
+            <a:schemeClr val="accent1"/>
+          </a:fillRef>
+          <a:effectRef idx="0">
+            <a:schemeClr val="accent1"/>
+          </a:effectRef>
+          <a:fontRef idx="minor">
+            <a:schemeClr val="tx1"/>
+          </a:fontRef>
+        </p:style>
+        <p:txBody>
+          <a:bodyPr rtlCol="0" anchor="ctr"/>
+          <a:lstStyle/>
+          <a:p>
+            <a:pPr algn="ctr"/>
+            <a:endParaRPr lang="ko-KR" altLang="en-US"/>
+          </a:p>
+        </p:txBody>
+      </p:sp>
+      <p:sp>
+        <p:nvSpPr>
+          <p:cNvPr id="8" name="오른쪽 중괄호 7">
+            <a:extLst>
+              <a:ext uri="{FF2B5EF4-FFF2-40B4-BE49-F238E27FC236}">
+                <a16:creationId xmlns:a16="http://schemas.microsoft.com/office/drawing/2014/main" id="{682E99CD-703D-4639-A691-C3D80CAC8CEA}"/>
+              </a:ext>
+            </a:extLst>
+          </p:cNvPr>
+          <p:cNvSpPr/>
+          <p:nvPr/>
+        </p:nvSpPr>
+        <p:spPr>
+          <a:xfrm rot="5400000">
+            <a:off x="6384560" y="1263000"/>
+            <a:ext cx="244915" cy="3537527"/>
+          </a:xfrm>
+          <a:prstGeom prst="rightBrace">
+            <a:avLst/>
+          </a:prstGeom>
+        </p:spPr>
+        <p:style>
+          <a:lnRef idx="1">
+            <a:schemeClr val="accent1"/>
+          </a:lnRef>
+          <a:fillRef idx="0">
+            <a:schemeClr val="accent1"/>
+          </a:fillRef>
+          <a:effectRef idx="0">
+            <a:schemeClr val="accent1"/>
+          </a:effectRef>
+          <a:fontRef idx="minor">
+            <a:schemeClr val="tx1"/>
+          </a:fontRef>
+        </p:style>
+        <p:txBody>
+          <a:bodyPr rtlCol="0" anchor="ctr"/>
+          <a:lstStyle/>
+          <a:p>
+            <a:pPr algn="ctr"/>
+            <a:endParaRPr lang="ko-KR" altLang="en-US"/>
+          </a:p>
+        </p:txBody>
+      </p:sp>
+      <p:sp>
+        <p:nvSpPr>
+          <p:cNvPr id="9" name="TextBox 8">
+            <a:extLst>
+              <a:ext uri="{FF2B5EF4-FFF2-40B4-BE49-F238E27FC236}">
+                <a16:creationId xmlns:a16="http://schemas.microsoft.com/office/drawing/2014/main" id="{7BCB950A-60F1-4037-A2DF-7C5EE067F3D8}"/>
+              </a:ext>
+            </a:extLst>
+          </p:cNvPr>
+          <p:cNvSpPr txBox="1"/>
+          <p:nvPr/>
+        </p:nvSpPr>
+        <p:spPr>
+          <a:xfrm>
+            <a:off x="2429163" y="3375126"/>
+            <a:ext cx="1662546" cy="646331"/>
+          </a:xfrm>
+          <a:prstGeom prst="rect">
+            <a:avLst/>
+          </a:prstGeom>
+          <a:noFill/>
+        </p:spPr>
+        <p:txBody>
+          <a:bodyPr wrap="square" rtlCol="0">
+            <a:spAutoFit/>
+          </a:bodyPr>
+          <a:lstStyle/>
+          <a:p>
+            <a:r>
+              <a:rPr lang="ko-KR" altLang="en-US"/>
+              <a:t>첫번째 </a:t>
+            </a:r>
+            <a:r>
+              <a:rPr lang="en-US" altLang="ko-KR"/>
+              <a:t>segment</a:t>
+            </a:r>
+            <a:endParaRPr lang="ko-KR" altLang="en-US"/>
+          </a:p>
+        </p:txBody>
+      </p:sp>
+      <p:sp>
+        <p:nvSpPr>
+          <p:cNvPr id="10" name="TextBox 9">
+            <a:extLst>
+              <a:ext uri="{FF2B5EF4-FFF2-40B4-BE49-F238E27FC236}">
+                <a16:creationId xmlns:a16="http://schemas.microsoft.com/office/drawing/2014/main" id="{02E729A1-A460-4121-A427-AA050AF73F5F}"/>
+              </a:ext>
+            </a:extLst>
+          </p:cNvPr>
+          <p:cNvSpPr txBox="1"/>
+          <p:nvPr/>
+        </p:nvSpPr>
+        <p:spPr>
+          <a:xfrm>
+            <a:off x="6049817" y="3387233"/>
+            <a:ext cx="1662546" cy="646331"/>
+          </a:xfrm>
+          <a:prstGeom prst="rect">
+            <a:avLst/>
+          </a:prstGeom>
+          <a:noFill/>
+        </p:spPr>
+        <p:txBody>
+          <a:bodyPr wrap="square" rtlCol="0">
+            <a:spAutoFit/>
+          </a:bodyPr>
+          <a:lstStyle/>
+          <a:p>
+            <a:r>
+              <a:rPr lang="ko-KR" altLang="en-US"/>
+              <a:t>두번째 </a:t>
+            </a:r>
+            <a:r>
+              <a:rPr lang="en-US" altLang="ko-KR"/>
+              <a:t>segment</a:t>
+            </a:r>
+            <a:endParaRPr lang="ko-KR" altLang="en-US"/>
+          </a:p>
+        </p:txBody>
+      </p:sp>
+      <p:sp>
+        <p:nvSpPr>
+          <p:cNvPr id="11" name="타원 10">
+            <a:extLst>
+              <a:ext uri="{FF2B5EF4-FFF2-40B4-BE49-F238E27FC236}">
+                <a16:creationId xmlns:a16="http://schemas.microsoft.com/office/drawing/2014/main" id="{BDF3B270-0853-4F37-9552-04800D41EBA1}"/>
+              </a:ext>
+            </a:extLst>
+          </p:cNvPr>
+          <p:cNvSpPr/>
+          <p:nvPr/>
+        </p:nvSpPr>
+        <p:spPr>
+          <a:xfrm>
+            <a:off x="955963" y="2155658"/>
+            <a:ext cx="840512" cy="694488"/>
+          </a:xfrm>
+          <a:prstGeom prst="ellipse">
+            <a:avLst/>
+          </a:prstGeom>
+          <a:noFill/>
+        </p:spPr>
+        <p:style>
+          <a:lnRef idx="2">
+            <a:schemeClr val="accent1">
+              <a:shade val="50000"/>
+            </a:schemeClr>
+          </a:lnRef>
+          <a:fillRef idx="1">
+            <a:schemeClr val="accent1"/>
+          </a:fillRef>
+          <a:effectRef idx="0">
+            <a:schemeClr val="accent1"/>
+          </a:effectRef>
+          <a:fontRef idx="minor">
+            <a:schemeClr val="lt1"/>
+          </a:fontRef>
+        </p:style>
+        <p:txBody>
+          <a:bodyPr rtlCol="0" anchor="ctr"/>
+          <a:lstStyle/>
+          <a:p>
+            <a:pPr algn="ctr"/>
+            <a:endParaRPr lang="ko-KR" altLang="en-US"/>
+          </a:p>
+        </p:txBody>
+      </p:sp>
+      <p:sp>
+        <p:nvSpPr>
+          <p:cNvPr id="12" name="타원 11">
+            <a:extLst>
+              <a:ext uri="{FF2B5EF4-FFF2-40B4-BE49-F238E27FC236}">
+                <a16:creationId xmlns:a16="http://schemas.microsoft.com/office/drawing/2014/main" id="{A6D0048D-1CE1-483E-B17E-7504AAEAF7B9}"/>
+              </a:ext>
+            </a:extLst>
+          </p:cNvPr>
+          <p:cNvSpPr/>
+          <p:nvPr/>
+        </p:nvSpPr>
+        <p:spPr>
+          <a:xfrm>
+            <a:off x="4738254" y="2155658"/>
+            <a:ext cx="840512" cy="694488"/>
+          </a:xfrm>
+          <a:prstGeom prst="ellipse">
+            <a:avLst/>
+          </a:prstGeom>
+          <a:noFill/>
+        </p:spPr>
+        <p:style>
+          <a:lnRef idx="2">
+            <a:schemeClr val="accent1">
+              <a:shade val="50000"/>
+            </a:schemeClr>
+          </a:lnRef>
+          <a:fillRef idx="1">
+            <a:schemeClr val="accent1"/>
+          </a:fillRef>
+          <a:effectRef idx="0">
+            <a:schemeClr val="accent1"/>
+          </a:effectRef>
+          <a:fontRef idx="minor">
+            <a:schemeClr val="lt1"/>
+          </a:fontRef>
+        </p:style>
+        <p:txBody>
+          <a:bodyPr rtlCol="0" anchor="ctr"/>
+          <a:lstStyle/>
+          <a:p>
+            <a:pPr algn="ctr"/>
+            <a:endParaRPr lang="ko-KR" altLang="en-US"/>
+          </a:p>
+        </p:txBody>
+      </p:sp>
+      <p:cxnSp>
+        <p:nvCxnSpPr>
+          <p:cNvPr id="14" name="직선 화살표 연결선 13">
+            <a:extLst>
+              <a:ext uri="{FF2B5EF4-FFF2-40B4-BE49-F238E27FC236}">
+                <a16:creationId xmlns:a16="http://schemas.microsoft.com/office/drawing/2014/main" id="{306CC16C-C38B-4605-BDCE-A4B587C80151}"/>
+              </a:ext>
+            </a:extLst>
+          </p:cNvPr>
+          <p:cNvCxnSpPr>
+            <a:endCxn id="11" idx="4"/>
+          </p:cNvCxnSpPr>
+          <p:nvPr/>
+        </p:nvCxnSpPr>
+        <p:spPr>
+          <a:xfrm flipV="1">
+            <a:off x="955963" y="2850146"/>
+            <a:ext cx="420256" cy="1527890"/>
+          </a:xfrm>
+          <a:prstGeom prst="straightConnector1">
+            <a:avLst/>
+          </a:prstGeom>
+          <a:ln>
+            <a:tailEnd type="triangle"/>
+          </a:ln>
+        </p:spPr>
+        <p:style>
+          <a:lnRef idx="1">
+            <a:schemeClr val="accent1"/>
+          </a:lnRef>
+          <a:fillRef idx="0">
+            <a:schemeClr val="accent1"/>
+          </a:fillRef>
+          <a:effectRef idx="0">
+            <a:schemeClr val="accent1"/>
+          </a:effectRef>
+          <a:fontRef idx="minor">
+            <a:schemeClr val="tx1"/>
+          </a:fontRef>
+        </p:style>
+      </p:cxnSp>
+      <p:cxnSp>
+        <p:nvCxnSpPr>
+          <p:cNvPr id="15" name="직선 화살표 연결선 14">
+            <a:extLst>
+              <a:ext uri="{FF2B5EF4-FFF2-40B4-BE49-F238E27FC236}">
+                <a16:creationId xmlns:a16="http://schemas.microsoft.com/office/drawing/2014/main" id="{03E9CCA1-1BA3-4E9D-8C1A-6D12F4188024}"/>
+              </a:ext>
+            </a:extLst>
+          </p:cNvPr>
+          <p:cNvCxnSpPr/>
+          <p:nvPr/>
+        </p:nvCxnSpPr>
+        <p:spPr>
+          <a:xfrm flipV="1">
+            <a:off x="4738254" y="2850146"/>
+            <a:ext cx="420256" cy="1527890"/>
+          </a:xfrm>
+          <a:prstGeom prst="straightConnector1">
+            <a:avLst/>
+          </a:prstGeom>
+          <a:ln>
+            <a:tailEnd type="triangle"/>
+          </a:ln>
+        </p:spPr>
+        <p:style>
+          <a:lnRef idx="1">
+            <a:schemeClr val="accent1"/>
+          </a:lnRef>
+          <a:fillRef idx="0">
+            <a:schemeClr val="accent1"/>
+          </a:fillRef>
+          <a:effectRef idx="0">
+            <a:schemeClr val="accent1"/>
+          </a:effectRef>
+          <a:fontRef idx="minor">
+            <a:schemeClr val="tx1"/>
+          </a:fontRef>
+        </p:style>
+      </p:cxnSp>
+      <p:sp>
+        <p:nvSpPr>
+          <p:cNvPr id="16" name="TextBox 15">
+            <a:extLst>
+              <a:ext uri="{FF2B5EF4-FFF2-40B4-BE49-F238E27FC236}">
+                <a16:creationId xmlns:a16="http://schemas.microsoft.com/office/drawing/2014/main" id="{05642218-3ACC-4C94-A830-21DA85FD7E8A}"/>
+              </a:ext>
+            </a:extLst>
+          </p:cNvPr>
+          <p:cNvSpPr txBox="1"/>
+          <p:nvPr/>
+        </p:nvSpPr>
+        <p:spPr>
+          <a:xfrm>
+            <a:off x="570345" y="4406051"/>
+            <a:ext cx="1191491" cy="923330"/>
+          </a:xfrm>
+          <a:prstGeom prst="rect">
+            <a:avLst/>
+          </a:prstGeom>
+          <a:noFill/>
+        </p:spPr>
+        <p:txBody>
+          <a:bodyPr wrap="square" rtlCol="0">
+            <a:spAutoFit/>
+          </a:bodyPr>
+          <a:lstStyle/>
+          <a:p>
+            <a:r>
+              <a:rPr lang="ko-KR" altLang="en-US"/>
+              <a:t>첫번째</a:t>
+            </a:r>
+            <a:endParaRPr lang="en-US" altLang="ko-KR"/>
+          </a:p>
+          <a:p>
+            <a:r>
+              <a:rPr lang="en-US" altLang="ko-KR"/>
+              <a:t>segment</a:t>
+            </a:r>
+            <a:r>
+              <a:rPr lang="ko-KR" altLang="en-US"/>
+              <a:t>에 </a:t>
+            </a:r>
+            <a:r>
+              <a:rPr lang="en-US" altLang="ko-KR"/>
+              <a:t>SEQ</a:t>
+            </a:r>
+            <a:endParaRPr lang="ko-KR" altLang="en-US"/>
+          </a:p>
+        </p:txBody>
+      </p:sp>
+      <p:sp>
+        <p:nvSpPr>
+          <p:cNvPr id="17" name="TextBox 16">
+            <a:extLst>
+              <a:ext uri="{FF2B5EF4-FFF2-40B4-BE49-F238E27FC236}">
+                <a16:creationId xmlns:a16="http://schemas.microsoft.com/office/drawing/2014/main" id="{7C474FD6-C689-4911-88BF-2BE84B0E46ED}"/>
+              </a:ext>
+            </a:extLst>
+          </p:cNvPr>
+          <p:cNvSpPr txBox="1"/>
+          <p:nvPr/>
+        </p:nvSpPr>
+        <p:spPr>
+          <a:xfrm>
+            <a:off x="4142508" y="4406051"/>
+            <a:ext cx="1191491" cy="923330"/>
+          </a:xfrm>
+          <a:prstGeom prst="rect">
+            <a:avLst/>
+          </a:prstGeom>
+          <a:noFill/>
+        </p:spPr>
+        <p:txBody>
+          <a:bodyPr wrap="square" rtlCol="0">
+            <a:spAutoFit/>
+          </a:bodyPr>
+          <a:lstStyle/>
+          <a:p>
+            <a:r>
+              <a:rPr lang="ko-KR" altLang="en-US"/>
+              <a:t>두번째</a:t>
+            </a:r>
+            <a:endParaRPr lang="en-US" altLang="ko-KR"/>
+          </a:p>
+          <a:p>
+            <a:r>
+              <a:rPr lang="en-US" altLang="ko-KR"/>
+              <a:t>segment</a:t>
+            </a:r>
+            <a:r>
+              <a:rPr lang="ko-KR" altLang="en-US"/>
+              <a:t>에 </a:t>
+            </a:r>
+            <a:r>
+              <a:rPr lang="en-US" altLang="ko-KR"/>
+              <a:t>SEQ</a:t>
+            </a:r>
+            <a:endParaRPr lang="ko-KR" altLang="en-US"/>
+          </a:p>
+        </p:txBody>
+      </p:sp>
+      <p:sp>
+        <p:nvSpPr>
+          <p:cNvPr id="18" name="TextBox 17">
+            <a:extLst>
+              <a:ext uri="{FF2B5EF4-FFF2-40B4-BE49-F238E27FC236}">
+                <a16:creationId xmlns:a16="http://schemas.microsoft.com/office/drawing/2014/main" id="{2428B6A1-ADF1-4F9F-94B5-1E26C646F2D9}"/>
+              </a:ext>
+            </a:extLst>
+          </p:cNvPr>
+          <p:cNvSpPr txBox="1"/>
+          <p:nvPr/>
+        </p:nvSpPr>
+        <p:spPr>
+          <a:xfrm>
+            <a:off x="1205341" y="731374"/>
+            <a:ext cx="1847273" cy="646331"/>
+          </a:xfrm>
+          <a:prstGeom prst="rect">
+            <a:avLst/>
+          </a:prstGeom>
+          <a:noFill/>
+        </p:spPr>
+        <p:txBody>
+          <a:bodyPr wrap="square" rtlCol="0">
+            <a:spAutoFit/>
+          </a:bodyPr>
+          <a:lstStyle/>
+          <a:p>
+            <a:r>
+              <a:rPr lang="en-US" altLang="ko-KR"/>
+              <a:t>segment</a:t>
+            </a:r>
+            <a:r>
+              <a:rPr lang="ko-KR" altLang="en-US"/>
+              <a:t> 크기</a:t>
+            </a:r>
+            <a:r>
+              <a:rPr lang="en-US" altLang="ko-KR"/>
+              <a:t>: 1,000 Byte</a:t>
+            </a:r>
+            <a:endParaRPr lang="ko-KR" altLang="en-US"/>
+          </a:p>
+        </p:txBody>
+      </p:sp>
+    </p:spTree>
+    <p:extLst>
+      <p:ext uri="{BB962C8B-B14F-4D97-AF65-F5344CB8AC3E}">
+        <p14:creationId xmlns:p14="http://schemas.microsoft.com/office/powerpoint/2010/main" val="4114809816"/>
+      </p:ext>
+    </p:extLst>
+  </p:cSld>
+  <p:clrMapOvr>
+    <a:masterClrMapping/>
+  </p:clrMapOvr>
+</p:sld>
+</file>
+
 <file path=ppt/theme/theme1.xml><?xml version="1.0" encoding="utf-8"?>
 <a:theme xmlns:a="http://schemas.openxmlformats.org/drawingml/2006/main" name="Office 테마">
   <a:themeElements>
